--- a/Slides/Lesson 6.6 Halting Functions for Tree-Like Structures.pptx
+++ b/Slides/Lesson 6.6 Halting Functions for Tree-Like Structures.pptx
@@ -5,7 +5,7 @@
     <p:sldMasterId id="2147483660" r:id="rId1"/>
   </p:sldMasterIdLst>
   <p:notesMasterIdLst>
-    <p:notesMasterId r:id="rId20"/>
+    <p:notesMasterId r:id="rId23"/>
   </p:notesMasterIdLst>
   <p:sldIdLst>
     <p:sldId id="256" r:id="rId2"/>
@@ -22,15 +22,18 @@
     <p:sldId id="288" r:id="rId13"/>
     <p:sldId id="295" r:id="rId14"/>
     <p:sldId id="297" r:id="rId15"/>
-    <p:sldId id="298" r:id="rId16"/>
-    <p:sldId id="299" r:id="rId17"/>
-    <p:sldId id="278" r:id="rId18"/>
-    <p:sldId id="279" r:id="rId19"/>
+    <p:sldId id="301" r:id="rId16"/>
+    <p:sldId id="302" r:id="rId17"/>
+    <p:sldId id="298" r:id="rId18"/>
+    <p:sldId id="300" r:id="rId19"/>
+    <p:sldId id="299" r:id="rId20"/>
+    <p:sldId id="278" r:id="rId21"/>
+    <p:sldId id="279" r:id="rId22"/>
   </p:sldIdLst>
   <p:sldSz cx="9144000" cy="6858000" type="screen4x3"/>
   <p:notesSz cx="6858000" cy="9144000"/>
   <p:custDataLst>
-    <p:tags r:id="rId21"/>
+    <p:tags r:id="rId24"/>
   </p:custDataLst>
   <p:defaultTextStyle>
     <a:defPPr>
@@ -228,7 +231,7 @@
           <a:p>
             <a:fld id="{1AC50D25-69DA-4251-A3B1-10895C6A89D6}" type="datetimeFigureOut">
               <a:rPr lang="en-US" smtClean="0"/>
-              <a:t>9/7/2016</a:t>
+              <a:t>9/12/2016</a:t>
             </a:fld>
             <a:endParaRPr lang="en-US"/>
           </a:p>
@@ -823,7 +826,7 @@
             <a:fld id="{00E1DFD8-B619-4FFF-B366-BDCC98D08110}" type="slidenum">
               <a:rPr lang="en-US" smtClean="0"/>
               <a:pPr/>
-              <a:t>15</a:t>
+              <a:t>17</a:t>
             </a:fld>
             <a:endParaRPr lang="en-US"/>
           </a:p>
@@ -1021,7 +1024,7 @@
           <a:p>
             <a:fld id="{2F1F79F5-7BEC-496A-AFC7-876E38F64D71}" type="datetime1">
               <a:rPr lang="en-US" smtClean="0"/>
-              <a:t>9/7/2016</a:t>
+              <a:t>9/12/2016</a:t>
             </a:fld>
             <a:endParaRPr lang="en-US"/>
           </a:p>
@@ -1116,7 +1119,7 @@
           <a:p>
             <a:fld id="{0A05703A-7669-4FEA-9056-25299B4D29D4}" type="datetime1">
               <a:rPr lang="en-US" smtClean="0"/>
-              <a:t>9/7/2016</a:t>
+              <a:t>9/12/2016</a:t>
             </a:fld>
             <a:endParaRPr lang="en-US"/>
           </a:p>
@@ -1391,7 +1394,7 @@
           <a:p>
             <a:fld id="{6E5077B5-BB57-49DB-88CA-226A139E5C01}" type="datetime1">
               <a:rPr lang="en-US" smtClean="0"/>
-              <a:t>9/7/2016</a:t>
+              <a:t>9/12/2016</a:t>
             </a:fld>
             <a:endParaRPr lang="en-US"/>
           </a:p>
@@ -1643,7 +1646,7 @@
           <a:p>
             <a:fld id="{C48D9447-CBD6-49A1-89FD-8512A8CF8999}" type="datetime1">
               <a:rPr lang="en-US" smtClean="0"/>
-              <a:t>9/7/2016</a:t>
+              <a:t>9/12/2016</a:t>
             </a:fld>
             <a:endParaRPr lang="en-US"/>
           </a:p>
@@ -1811,7 +1814,7 @@
           <a:p>
             <a:fld id="{A3639A2A-823D-48B7-9ACE-7FAF42870BA9}" type="datetime1">
               <a:rPr lang="en-US" smtClean="0"/>
-              <a:t>9/7/2016</a:t>
+              <a:t>9/12/2016</a:t>
             </a:fld>
             <a:endParaRPr lang="en-US"/>
           </a:p>
@@ -1989,7 +1992,7 @@
           <a:p>
             <a:fld id="{ED1B6996-82E9-463C-972C-7B56056E426C}" type="datetime1">
               <a:rPr lang="en-US" smtClean="0"/>
-              <a:t>9/7/2016</a:t>
+              <a:t>9/12/2016</a:t>
             </a:fld>
             <a:endParaRPr lang="en-US"/>
           </a:p>
@@ -2163,7 +2166,7 @@
           <a:p>
             <a:fld id="{E22ED4DA-448D-4BB1-B935-CC112220207B}" type="datetime1">
               <a:rPr lang="en-US" smtClean="0"/>
-              <a:t>9/7/2016</a:t>
+              <a:t>9/12/2016</a:t>
             </a:fld>
             <a:endParaRPr lang="en-US"/>
           </a:p>
@@ -2336,7 +2339,7 @@
           <a:p>
             <a:fld id="{E22ED4DA-448D-4BB1-B935-CC112220207B}" type="datetime1">
               <a:rPr lang="en-US" smtClean="0"/>
-              <a:t>9/7/2016</a:t>
+              <a:t>9/12/2016</a:t>
             </a:fld>
             <a:endParaRPr lang="en-US"/>
           </a:p>
@@ -2596,7 +2599,7 @@
           <a:p>
             <a:fld id="{FF5D65A6-AB94-4435-B0B7-3743215FA46C}" type="datetime1">
               <a:rPr lang="en-US" smtClean="0"/>
-              <a:t>9/7/2016</a:t>
+              <a:t>9/12/2016</a:t>
             </a:fld>
             <a:endParaRPr lang="en-US"/>
           </a:p>
@@ -2772,7 +2775,7 @@
           <a:p>
             <a:fld id="{FF5D65A6-AB94-4435-B0B7-3743215FA46C}" type="datetime1">
               <a:rPr lang="en-US" smtClean="0"/>
-              <a:t>9/7/2016</a:t>
+              <a:t>9/12/2016</a:t>
             </a:fld>
             <a:endParaRPr lang="en-US"/>
           </a:p>
@@ -3066,7 +3069,7 @@
           <a:p>
             <a:fld id="{7C193DC4-6EF0-48C9-B29C-616106A645E1}" type="datetime1">
               <a:rPr lang="en-US" smtClean="0"/>
-              <a:t>9/7/2016</a:t>
+              <a:t>9/12/2016</a:t>
             </a:fld>
             <a:endParaRPr lang="en-US"/>
           </a:p>
@@ -3351,7 +3354,7 @@
           <a:p>
             <a:fld id="{5D1846AD-9252-4647-9435-4C2AC365653A}" type="datetime1">
               <a:rPr lang="en-US" smtClean="0"/>
-              <a:t>9/7/2016</a:t>
+              <a:t>9/12/2016</a:t>
             </a:fld>
             <a:endParaRPr lang="en-US"/>
           </a:p>
@@ -3770,7 +3773,7 @@
           <a:p>
             <a:fld id="{CE56DC10-3561-4063-A6AF-C1CC7A41040A}" type="datetime1">
               <a:rPr lang="en-US" smtClean="0"/>
-              <a:t>9/7/2016</a:t>
+              <a:t>9/12/2016</a:t>
             </a:fld>
             <a:endParaRPr lang="en-US"/>
           </a:p>
@@ -3887,7 +3890,7 @@
           <a:p>
             <a:fld id="{2F7B77F5-1464-4F6B-92A8-64FC8A508293}" type="datetime1">
               <a:rPr lang="en-US" smtClean="0"/>
-              <a:t>9/7/2016</a:t>
+              <a:t>9/12/2016</a:t>
             </a:fld>
             <a:endParaRPr lang="en-US"/>
           </a:p>
@@ -4110,7 +4113,7 @@
           <a:p>
             <a:fld id="{02B3F677-983B-48DB-ADFD-63FE6CBC7FB2}" type="datetime1">
               <a:rPr lang="en-US" smtClean="0"/>
-              <a:t>9/7/2016</a:t>
+              <a:t>9/12/2016</a:t>
             </a:fld>
             <a:endParaRPr lang="en-US"/>
           </a:p>
@@ -5106,6 +5109,20 @@
           <a:p>
             <a:r>
               <a:rPr lang="en-US" dirty="0"/>
+              <a:t>What do we mean by size here? </a:t>
+            </a:r>
+            <a:r>
+              <a:rPr lang="en-US" dirty="0" err="1"/>
+              <a:t>Ans</a:t>
+            </a:r>
+            <a:r>
+              <a:rPr lang="en-US" dirty="0"/>
+              <a:t>: the number of cons cells</a:t>
+            </a:r>
+          </a:p>
+          <a:p>
+            <a:r>
+              <a:rPr lang="en-US" dirty="0"/>
               <a:t>But wait, you say: when </a:t>
             </a:r>
             <a:r>
@@ -5233,271 +5250,286 @@
           </a:p>
         </p:txBody>
       </p:sp>
-      <p:sp>
-        <p:nvSpPr>
-          <p:cNvPr id="5" name="Rectangle 4"/>
-          <p:cNvSpPr/>
+      <p:grpSp>
+        <p:nvGrpSpPr>
+          <p:cNvPr id="3" name="Group 2"/>
+          <p:cNvGrpSpPr/>
           <p:nvPr/>
-        </p:nvSpPr>
-        <p:spPr>
+        </p:nvGrpSpPr>
+        <p:grpSpPr>
           <a:xfrm>
-            <a:off x="3733800" y="2286000"/>
-            <a:ext cx="1676400" cy="584775"/>
+            <a:off x="2819400" y="2286000"/>
+            <a:ext cx="3352800" cy="3219005"/>
+            <a:chOff x="2819400" y="2286000"/>
+            <a:chExt cx="3352800" cy="3219005"/>
           </a:xfrm>
-          <a:prstGeom prst="rect">
-            <a:avLst/>
-          </a:prstGeom>
-        </p:spPr>
-        <p:txBody>
-          <a:bodyPr wrap="square">
-            <a:spAutoFit/>
-          </a:bodyPr>
-          <a:lstStyle/>
-          <a:p>
-            <a:r>
-              <a:rPr lang="en-US" sz="3200" b="1" dirty="0" err="1">
-                <a:latin typeface="Consolas" pitchFamily="49" charset="0"/>
-                <a:cs typeface="Consolas" pitchFamily="49" charset="0"/>
-              </a:rPr>
-              <a:t>sos-fn</a:t>
-            </a:r>
-            <a:endParaRPr lang="en-US" sz="3200" dirty="0"/>
-          </a:p>
-        </p:txBody>
-      </p:sp>
-      <p:sp>
-        <p:nvSpPr>
-          <p:cNvPr id="6" name="Rectangle 5"/>
-          <p:cNvSpPr/>
-          <p:nvPr/>
-        </p:nvSpPr>
-        <p:spPr>
-          <a:xfrm>
-            <a:off x="3581400" y="3886200"/>
-            <a:ext cx="1981200" cy="584775"/>
-          </a:xfrm>
-          <a:prstGeom prst="rect">
-            <a:avLst/>
-          </a:prstGeom>
-        </p:spPr>
-        <p:txBody>
-          <a:bodyPr wrap="square">
-            <a:spAutoFit/>
-          </a:bodyPr>
-          <a:lstStyle/>
-          <a:p>
-            <a:r>
-              <a:rPr lang="en-US" sz="3200" b="1" dirty="0">
-                <a:latin typeface="Consolas" pitchFamily="49" charset="0"/>
-                <a:cs typeface="Consolas" pitchFamily="49" charset="0"/>
-              </a:rPr>
-              <a:t>loss-</a:t>
-            </a:r>
-            <a:r>
-              <a:rPr lang="en-US" sz="3200" b="1" dirty="0" err="1">
-                <a:latin typeface="Consolas" pitchFamily="49" charset="0"/>
-                <a:cs typeface="Consolas" pitchFamily="49" charset="0"/>
-              </a:rPr>
-              <a:t>fn</a:t>
-            </a:r>
-            <a:endParaRPr lang="en-US" sz="3200" dirty="0"/>
-          </a:p>
-        </p:txBody>
-      </p:sp>
-      <p:cxnSp>
-        <p:nvCxnSpPr>
-          <p:cNvPr id="10" name="Straight Arrow Connector 9"/>
-          <p:cNvCxnSpPr>
-            <a:stCxn id="5" idx="2"/>
-            <a:endCxn id="6" idx="0"/>
-          </p:cNvCxnSpPr>
-          <p:nvPr/>
-        </p:nvCxnSpPr>
-        <p:spPr>
-          <a:xfrm>
-            <a:off x="4572000" y="2870775"/>
-            <a:ext cx="0" cy="1015425"/>
-          </a:xfrm>
-          <a:prstGeom prst="straightConnector1">
-            <a:avLst/>
-          </a:prstGeom>
-          <a:ln w="101600">
-            <a:tailEnd type="triangle"/>
-          </a:ln>
-        </p:spPr>
-        <p:style>
-          <a:lnRef idx="1">
-            <a:schemeClr val="accent1"/>
-          </a:lnRef>
-          <a:fillRef idx="0">
-            <a:schemeClr val="accent1"/>
-          </a:fillRef>
-          <a:effectRef idx="0">
-            <a:schemeClr val="accent1"/>
-          </a:effectRef>
-          <a:fontRef idx="minor">
-            <a:schemeClr val="tx1"/>
-          </a:fontRef>
-        </p:style>
-      </p:cxnSp>
-      <p:sp>
-        <p:nvSpPr>
-          <p:cNvPr id="13" name="Arc 12"/>
-          <p:cNvSpPr/>
-          <p:nvPr/>
-        </p:nvSpPr>
-        <p:spPr>
-          <a:xfrm rot="2560202">
-            <a:off x="4097293" y="4377388"/>
-            <a:ext cx="949411" cy="928816"/>
-          </a:xfrm>
-          <a:prstGeom prst="arc">
-            <a:avLst>
-              <a:gd name="adj1" fmla="val 16200000"/>
-              <a:gd name="adj2" fmla="val 11239142"/>
-            </a:avLst>
-          </a:prstGeom>
-          <a:ln w="101600">
-            <a:headEnd type="triangle"/>
-            <a:tailEnd type="none"/>
-          </a:ln>
-        </p:spPr>
-        <p:style>
-          <a:lnRef idx="1">
-            <a:schemeClr val="accent1"/>
-          </a:lnRef>
-          <a:fillRef idx="0">
-            <a:schemeClr val="accent1"/>
-          </a:fillRef>
-          <a:effectRef idx="0">
-            <a:schemeClr val="accent1"/>
-          </a:effectRef>
-          <a:fontRef idx="minor">
-            <a:schemeClr val="tx1"/>
-          </a:fontRef>
-        </p:style>
-        <p:txBody>
-          <a:bodyPr rtlCol="0" anchor="ctr"/>
-          <a:lstStyle/>
-          <a:p>
-            <a:pPr algn="ctr"/>
-            <a:endParaRPr lang="en-US"/>
-          </a:p>
-        </p:txBody>
-      </p:sp>
-      <p:sp>
-        <p:nvSpPr>
-          <p:cNvPr id="14" name="Arc 13"/>
-          <p:cNvSpPr/>
-          <p:nvPr/>
-        </p:nvSpPr>
-        <p:spPr>
-          <a:xfrm rot="1375710">
-            <a:off x="4524274" y="2763576"/>
-            <a:ext cx="1187875" cy="1169462"/>
-          </a:xfrm>
-          <a:prstGeom prst="arc">
-            <a:avLst>
-              <a:gd name="adj1" fmla="val 16200000"/>
-              <a:gd name="adj2" fmla="val 2201203"/>
-            </a:avLst>
-          </a:prstGeom>
-          <a:ln w="101600">
-            <a:headEnd type="triangle"/>
-            <a:tailEnd type="none"/>
-          </a:ln>
-        </p:spPr>
-        <p:style>
-          <a:lnRef idx="1">
-            <a:schemeClr val="accent1"/>
-          </a:lnRef>
-          <a:fillRef idx="0">
-            <a:schemeClr val="accent1"/>
-          </a:fillRef>
-          <a:effectRef idx="0">
-            <a:schemeClr val="accent1"/>
-          </a:effectRef>
-          <a:fontRef idx="minor">
-            <a:schemeClr val="tx1"/>
-          </a:fontRef>
-        </p:style>
-        <p:txBody>
-          <a:bodyPr rtlCol="0" anchor="ctr"/>
-          <a:lstStyle/>
-          <a:p>
-            <a:pPr algn="ctr"/>
-            <a:endParaRPr lang="en-US"/>
-          </a:p>
-        </p:txBody>
-      </p:sp>
-      <p:cxnSp>
-        <p:nvCxnSpPr>
-          <p:cNvPr id="15" name="Straight Arrow Connector 14"/>
-          <p:cNvCxnSpPr/>
-          <p:nvPr/>
-        </p:nvCxnSpPr>
-        <p:spPr>
-          <a:xfrm>
-            <a:off x="5235800" y="4470975"/>
-            <a:ext cx="936400" cy="1034030"/>
-          </a:xfrm>
-          <a:prstGeom prst="straightConnector1">
-            <a:avLst/>
-          </a:prstGeom>
-          <a:ln w="101600">
-            <a:prstDash val="sysDot"/>
-            <a:tailEnd type="triangle"/>
-          </a:ln>
-        </p:spPr>
-        <p:style>
-          <a:lnRef idx="1">
-            <a:schemeClr val="accent1"/>
-          </a:lnRef>
-          <a:fillRef idx="0">
-            <a:schemeClr val="accent1"/>
-          </a:fillRef>
-          <a:effectRef idx="0">
-            <a:schemeClr val="accent1"/>
-          </a:effectRef>
-          <a:fontRef idx="minor">
-            <a:schemeClr val="tx1"/>
-          </a:fontRef>
-        </p:style>
-      </p:cxnSp>
-      <p:cxnSp>
-        <p:nvCxnSpPr>
-          <p:cNvPr id="16" name="Straight Arrow Connector 15"/>
-          <p:cNvCxnSpPr/>
-          <p:nvPr/>
-        </p:nvCxnSpPr>
-        <p:spPr>
-          <a:xfrm flipH="1">
-            <a:off x="2819400" y="2870775"/>
-            <a:ext cx="990600" cy="1015425"/>
-          </a:xfrm>
-          <a:prstGeom prst="straightConnector1">
-            <a:avLst/>
-          </a:prstGeom>
-          <a:ln w="101600">
-            <a:prstDash val="sysDot"/>
-            <a:tailEnd type="triangle"/>
-          </a:ln>
-        </p:spPr>
-        <p:style>
-          <a:lnRef idx="1">
-            <a:schemeClr val="accent1"/>
-          </a:lnRef>
-          <a:fillRef idx="0">
-            <a:schemeClr val="accent1"/>
-          </a:fillRef>
-          <a:effectRef idx="0">
-            <a:schemeClr val="accent1"/>
-          </a:effectRef>
-          <a:fontRef idx="minor">
-            <a:schemeClr val="tx1"/>
-          </a:fontRef>
-        </p:style>
-      </p:cxnSp>
+        </p:grpSpPr>
+        <p:sp>
+          <p:nvSpPr>
+            <p:cNvPr id="5" name="Rectangle 4"/>
+            <p:cNvSpPr/>
+            <p:nvPr/>
+          </p:nvSpPr>
+          <p:spPr>
+            <a:xfrm>
+              <a:off x="3733800" y="2286000"/>
+              <a:ext cx="1676400" cy="584775"/>
+            </a:xfrm>
+            <a:prstGeom prst="rect">
+              <a:avLst/>
+            </a:prstGeom>
+          </p:spPr>
+          <p:txBody>
+            <a:bodyPr wrap="square">
+              <a:spAutoFit/>
+            </a:bodyPr>
+            <a:lstStyle/>
+            <a:p>
+              <a:r>
+                <a:rPr lang="en-US" sz="3200" b="1" dirty="0" err="1">
+                  <a:latin typeface="Consolas" pitchFamily="49" charset="0"/>
+                  <a:cs typeface="Consolas" pitchFamily="49" charset="0"/>
+                </a:rPr>
+                <a:t>sos-fn</a:t>
+              </a:r>
+              <a:endParaRPr lang="en-US" sz="3200" dirty="0"/>
+            </a:p>
+          </p:txBody>
+        </p:sp>
+        <p:sp>
+          <p:nvSpPr>
+            <p:cNvPr id="6" name="Rectangle 5"/>
+            <p:cNvSpPr/>
+            <p:nvPr/>
+          </p:nvSpPr>
+          <p:spPr>
+            <a:xfrm>
+              <a:off x="3581400" y="3886200"/>
+              <a:ext cx="1981200" cy="584775"/>
+            </a:xfrm>
+            <a:prstGeom prst="rect">
+              <a:avLst/>
+            </a:prstGeom>
+          </p:spPr>
+          <p:txBody>
+            <a:bodyPr wrap="square">
+              <a:spAutoFit/>
+            </a:bodyPr>
+            <a:lstStyle/>
+            <a:p>
+              <a:r>
+                <a:rPr lang="en-US" sz="3200" b="1" dirty="0">
+                  <a:latin typeface="Consolas" pitchFamily="49" charset="0"/>
+                  <a:cs typeface="Consolas" pitchFamily="49" charset="0"/>
+                </a:rPr>
+                <a:t>loss-</a:t>
+              </a:r>
+              <a:r>
+                <a:rPr lang="en-US" sz="3200" b="1" dirty="0" err="1">
+                  <a:latin typeface="Consolas" pitchFamily="49" charset="0"/>
+                  <a:cs typeface="Consolas" pitchFamily="49" charset="0"/>
+                </a:rPr>
+                <a:t>fn</a:t>
+              </a:r>
+              <a:endParaRPr lang="en-US" sz="3200" dirty="0"/>
+            </a:p>
+          </p:txBody>
+        </p:sp>
+        <p:cxnSp>
+          <p:nvCxnSpPr>
+            <p:cNvPr id="10" name="Straight Arrow Connector 9"/>
+            <p:cNvCxnSpPr>
+              <a:stCxn id="5" idx="2"/>
+              <a:endCxn id="6" idx="0"/>
+            </p:cNvCxnSpPr>
+            <p:nvPr/>
+          </p:nvCxnSpPr>
+          <p:spPr>
+            <a:xfrm>
+              <a:off x="4572000" y="2870775"/>
+              <a:ext cx="0" cy="1015425"/>
+            </a:xfrm>
+            <a:prstGeom prst="straightConnector1">
+              <a:avLst/>
+            </a:prstGeom>
+            <a:ln w="101600">
+              <a:tailEnd type="triangle"/>
+            </a:ln>
+          </p:spPr>
+          <p:style>
+            <a:lnRef idx="1">
+              <a:schemeClr val="accent1"/>
+            </a:lnRef>
+            <a:fillRef idx="0">
+              <a:schemeClr val="accent1"/>
+            </a:fillRef>
+            <a:effectRef idx="0">
+              <a:schemeClr val="accent1"/>
+            </a:effectRef>
+            <a:fontRef idx="minor">
+              <a:schemeClr val="tx1"/>
+            </a:fontRef>
+          </p:style>
+        </p:cxnSp>
+        <p:sp>
+          <p:nvSpPr>
+            <p:cNvPr id="13" name="Arc 12"/>
+            <p:cNvSpPr/>
+            <p:nvPr/>
+          </p:nvSpPr>
+          <p:spPr>
+            <a:xfrm rot="2560202">
+              <a:off x="4097293" y="4377388"/>
+              <a:ext cx="949411" cy="928816"/>
+            </a:xfrm>
+            <a:prstGeom prst="arc">
+              <a:avLst>
+                <a:gd name="adj1" fmla="val 16200000"/>
+                <a:gd name="adj2" fmla="val 11239142"/>
+              </a:avLst>
+            </a:prstGeom>
+            <a:ln w="101600">
+              <a:headEnd type="triangle"/>
+              <a:tailEnd type="none"/>
+            </a:ln>
+          </p:spPr>
+          <p:style>
+            <a:lnRef idx="1">
+              <a:schemeClr val="accent1"/>
+            </a:lnRef>
+            <a:fillRef idx="0">
+              <a:schemeClr val="accent1"/>
+            </a:fillRef>
+            <a:effectRef idx="0">
+              <a:schemeClr val="accent1"/>
+            </a:effectRef>
+            <a:fontRef idx="minor">
+              <a:schemeClr val="tx1"/>
+            </a:fontRef>
+          </p:style>
+          <p:txBody>
+            <a:bodyPr rtlCol="0" anchor="ctr"/>
+            <a:lstStyle/>
+            <a:p>
+              <a:pPr algn="ctr"/>
+              <a:endParaRPr lang="en-US"/>
+            </a:p>
+          </p:txBody>
+        </p:sp>
+        <p:sp>
+          <p:nvSpPr>
+            <p:cNvPr id="14" name="Arc 13"/>
+            <p:cNvSpPr/>
+            <p:nvPr/>
+          </p:nvSpPr>
+          <p:spPr>
+            <a:xfrm rot="1375710">
+              <a:off x="4524274" y="2763576"/>
+              <a:ext cx="1187875" cy="1169462"/>
+            </a:xfrm>
+            <a:prstGeom prst="arc">
+              <a:avLst>
+                <a:gd name="adj1" fmla="val 16200000"/>
+                <a:gd name="adj2" fmla="val 2201203"/>
+              </a:avLst>
+            </a:prstGeom>
+            <a:ln w="101600">
+              <a:headEnd type="triangle"/>
+              <a:tailEnd type="none"/>
+            </a:ln>
+          </p:spPr>
+          <p:style>
+            <a:lnRef idx="1">
+              <a:schemeClr val="accent1"/>
+            </a:lnRef>
+            <a:fillRef idx="0">
+              <a:schemeClr val="accent1"/>
+            </a:fillRef>
+            <a:effectRef idx="0">
+              <a:schemeClr val="accent1"/>
+            </a:effectRef>
+            <a:fontRef idx="minor">
+              <a:schemeClr val="tx1"/>
+            </a:fontRef>
+          </p:style>
+          <p:txBody>
+            <a:bodyPr rtlCol="0" anchor="ctr"/>
+            <a:lstStyle/>
+            <a:p>
+              <a:pPr algn="ctr"/>
+              <a:endParaRPr lang="en-US"/>
+            </a:p>
+          </p:txBody>
+        </p:sp>
+        <p:cxnSp>
+          <p:nvCxnSpPr>
+            <p:cNvPr id="15" name="Straight Arrow Connector 14"/>
+            <p:cNvCxnSpPr/>
+            <p:nvPr/>
+          </p:nvCxnSpPr>
+          <p:spPr>
+            <a:xfrm>
+              <a:off x="5235800" y="4470975"/>
+              <a:ext cx="936400" cy="1034030"/>
+            </a:xfrm>
+            <a:prstGeom prst="straightConnector1">
+              <a:avLst/>
+            </a:prstGeom>
+            <a:ln w="101600">
+              <a:prstDash val="sysDot"/>
+              <a:tailEnd type="triangle"/>
+            </a:ln>
+          </p:spPr>
+          <p:style>
+            <a:lnRef idx="1">
+              <a:schemeClr val="accent1"/>
+            </a:lnRef>
+            <a:fillRef idx="0">
+              <a:schemeClr val="accent1"/>
+            </a:fillRef>
+            <a:effectRef idx="0">
+              <a:schemeClr val="accent1"/>
+            </a:effectRef>
+            <a:fontRef idx="minor">
+              <a:schemeClr val="tx1"/>
+            </a:fontRef>
+          </p:style>
+        </p:cxnSp>
+        <p:cxnSp>
+          <p:nvCxnSpPr>
+            <p:cNvPr id="16" name="Straight Arrow Connector 15"/>
+            <p:cNvCxnSpPr/>
+            <p:nvPr/>
+          </p:nvCxnSpPr>
+          <p:spPr>
+            <a:xfrm flipH="1">
+              <a:off x="2819400" y="2870775"/>
+              <a:ext cx="990600" cy="1015425"/>
+            </a:xfrm>
+            <a:prstGeom prst="straightConnector1">
+              <a:avLst/>
+            </a:prstGeom>
+            <a:ln w="101600">
+              <a:prstDash val="sysDot"/>
+              <a:tailEnd type="triangle"/>
+            </a:ln>
+          </p:spPr>
+          <p:style>
+            <a:lnRef idx="1">
+              <a:schemeClr val="accent1"/>
+            </a:lnRef>
+            <a:fillRef idx="0">
+              <a:schemeClr val="accent1"/>
+            </a:fillRef>
+            <a:effectRef idx="0">
+              <a:schemeClr val="accent1"/>
+            </a:effectRef>
+            <a:fontRef idx="minor">
+              <a:schemeClr val="tx1"/>
+            </a:fontRef>
+          </p:style>
+        </p:cxnSp>
+      </p:grpSp>
       <p:sp>
         <p:nvSpPr>
           <p:cNvPr id="21" name="Rectangle 20"/>
@@ -5877,21 +5909,39 @@
                                   </p:childTnLst>
                                 </p:cTn>
                               </p:par>
+                            </p:childTnLst>
+                          </p:cTn>
+                        </p:par>
+                      </p:childTnLst>
+                    </p:cTn>
+                  </p:par>
+                  <p:par>
+                    <p:cTn id="7" fill="hold">
+                      <p:stCondLst>
+                        <p:cond delay="indefinite"/>
+                      </p:stCondLst>
+                      <p:childTnLst>
+                        <p:par>
+                          <p:cTn id="8" fill="hold">
+                            <p:stCondLst>
+                              <p:cond delay="0"/>
+                            </p:stCondLst>
+                            <p:childTnLst>
                               <p:par>
-                                <p:cTn id="7" presetID="1" presetClass="entr" presetSubtype="0" fill="hold" nodeType="withEffect">
+                                <p:cTn id="9" presetID="1" presetClass="entr" presetSubtype="0" fill="hold" grpId="0" nodeType="clickEffect">
                                   <p:stCondLst>
                                     <p:cond delay="0"/>
                                   </p:stCondLst>
                                   <p:childTnLst>
                                     <p:set>
                                       <p:cBhvr>
-                                        <p:cTn id="8" dur="1" fill="hold">
+                                        <p:cTn id="10" dur="1" fill="hold">
                                           <p:stCondLst>
                                             <p:cond delay="0"/>
                                           </p:stCondLst>
                                         </p:cTn>
                                         <p:tgtEl>
-                                          <p:spTgt spid="10"/>
+                                          <p:spTgt spid="22"/>
                                         </p:tgtEl>
                                         <p:attrNameLst>
                                           <p:attrName>style.visibility</p:attrName>
@@ -5911,46 +5961,19 @@
                     </p:cTn>
                   </p:par>
                   <p:par>
-                    <p:cTn id="9" fill="hold">
+                    <p:cTn id="11" fill="hold">
                       <p:stCondLst>
                         <p:cond delay="indefinite"/>
                       </p:stCondLst>
                       <p:childTnLst>
                         <p:par>
-                          <p:cTn id="10" fill="hold">
+                          <p:cTn id="12" fill="hold">
                             <p:stCondLst>
                               <p:cond delay="0"/>
                             </p:stCondLst>
                             <p:childTnLst>
                               <p:par>
-                                <p:cTn id="11" presetID="1" presetClass="entr" presetSubtype="0" fill="hold" grpId="0" nodeType="clickEffect">
-                                  <p:stCondLst>
-                                    <p:cond delay="0"/>
-                                  </p:stCondLst>
-                                  <p:childTnLst>
-                                    <p:set>
-                                      <p:cBhvr>
-                                        <p:cTn id="12" dur="1" fill="hold">
-                                          <p:stCondLst>
-                                            <p:cond delay="0"/>
-                                          </p:stCondLst>
-                                        </p:cTn>
-                                        <p:tgtEl>
-                                          <p:spTgt spid="22"/>
-                                        </p:tgtEl>
-                                        <p:attrNameLst>
-                                          <p:attrName>style.visibility</p:attrName>
-                                        </p:attrNameLst>
-                                      </p:cBhvr>
-                                      <p:to>
-                                        <p:strVal val="visible"/>
-                                      </p:to>
-                                    </p:set>
-                                  </p:childTnLst>
-                                </p:cTn>
-                              </p:par>
-                              <p:par>
-                                <p:cTn id="13" presetID="1" presetClass="entr" presetSubtype="0" fill="hold" grpId="0" nodeType="withEffect">
+                                <p:cTn id="13" presetID="1" presetClass="entr" presetSubtype="0" fill="hold" grpId="0" nodeType="clickEffect">
                                   <p:stCondLst>
                                     <p:cond delay="0"/>
                                   </p:stCondLst>
@@ -5963,133 +5986,7 @@
                                           </p:stCondLst>
                                         </p:cTn>
                                         <p:tgtEl>
-                                          <p:spTgt spid="13"/>
-                                        </p:tgtEl>
-                                        <p:attrNameLst>
-                                          <p:attrName>style.visibility</p:attrName>
-                                        </p:attrNameLst>
-                                      </p:cBhvr>
-                                      <p:to>
-                                        <p:strVal val="visible"/>
-                                      </p:to>
-                                    </p:set>
-                                  </p:childTnLst>
-                                </p:cTn>
-                              </p:par>
-                              <p:par>
-                                <p:cTn id="15" presetID="1" presetClass="entr" presetSubtype="0" fill="hold" grpId="0" nodeType="withEffect">
-                                  <p:stCondLst>
-                                    <p:cond delay="0"/>
-                                  </p:stCondLst>
-                                  <p:childTnLst>
-                                    <p:set>
-                                      <p:cBhvr>
-                                        <p:cTn id="16" dur="1" fill="hold">
-                                          <p:stCondLst>
-                                            <p:cond delay="0"/>
-                                          </p:stCondLst>
-                                        </p:cTn>
-                                        <p:tgtEl>
-                                          <p:spTgt spid="14"/>
-                                        </p:tgtEl>
-                                        <p:attrNameLst>
-                                          <p:attrName>style.visibility</p:attrName>
-                                        </p:attrNameLst>
-                                      </p:cBhvr>
-                                      <p:to>
-                                        <p:strVal val="visible"/>
-                                      </p:to>
-                                    </p:set>
-                                  </p:childTnLst>
-                                </p:cTn>
-                              </p:par>
-                            </p:childTnLst>
-                          </p:cTn>
-                        </p:par>
-                      </p:childTnLst>
-                    </p:cTn>
-                  </p:par>
-                  <p:par>
-                    <p:cTn id="17" fill="hold">
-                      <p:stCondLst>
-                        <p:cond delay="indefinite"/>
-                      </p:stCondLst>
-                      <p:childTnLst>
-                        <p:par>
-                          <p:cTn id="18" fill="hold">
-                            <p:stCondLst>
-                              <p:cond delay="0"/>
-                            </p:stCondLst>
-                            <p:childTnLst>
-                              <p:par>
-                                <p:cTn id="19" presetID="1" presetClass="entr" presetSubtype="0" fill="hold" grpId="0" nodeType="clickEffect">
-                                  <p:stCondLst>
-                                    <p:cond delay="0"/>
-                                  </p:stCondLst>
-                                  <p:childTnLst>
-                                    <p:set>
-                                      <p:cBhvr>
-                                        <p:cTn id="20" dur="1" fill="hold">
-                                          <p:stCondLst>
-                                            <p:cond delay="0"/>
-                                          </p:stCondLst>
-                                        </p:cTn>
-                                        <p:tgtEl>
                                           <p:spTgt spid="23"/>
-                                        </p:tgtEl>
-                                        <p:attrNameLst>
-                                          <p:attrName>style.visibility</p:attrName>
-                                        </p:attrNameLst>
-                                      </p:cBhvr>
-                                      <p:to>
-                                        <p:strVal val="visible"/>
-                                      </p:to>
-                                    </p:set>
-                                  </p:childTnLst>
-                                </p:cTn>
-                              </p:par>
-                              <p:par>
-                                <p:cTn id="21" presetID="1" presetClass="entr" presetSubtype="0" fill="hold" nodeType="withEffect">
-                                  <p:stCondLst>
-                                    <p:cond delay="0"/>
-                                  </p:stCondLst>
-                                  <p:childTnLst>
-                                    <p:set>
-                                      <p:cBhvr>
-                                        <p:cTn id="22" dur="1" fill="hold">
-                                          <p:stCondLst>
-                                            <p:cond delay="0"/>
-                                          </p:stCondLst>
-                                        </p:cTn>
-                                        <p:tgtEl>
-                                          <p:spTgt spid="16"/>
-                                        </p:tgtEl>
-                                        <p:attrNameLst>
-                                          <p:attrName>style.visibility</p:attrName>
-                                        </p:attrNameLst>
-                                      </p:cBhvr>
-                                      <p:to>
-                                        <p:strVal val="visible"/>
-                                      </p:to>
-                                    </p:set>
-                                  </p:childTnLst>
-                                </p:cTn>
-                              </p:par>
-                              <p:par>
-                                <p:cTn id="23" presetID="1" presetClass="entr" presetSubtype="0" fill="hold" nodeType="withEffect">
-                                  <p:stCondLst>
-                                    <p:cond delay="0"/>
-                                  </p:stCondLst>
-                                  <p:childTnLst>
-                                    <p:set>
-                                      <p:cBhvr>
-                                        <p:cTn id="24" dur="1" fill="hold">
-                                          <p:stCondLst>
-                                            <p:cond delay="0"/>
-                                          </p:stCondLst>
-                                        </p:cTn>
-                                        <p:tgtEl>
-                                          <p:spTgt spid="15"/>
                                         </p:tgtEl>
                                         <p:attrNameLst>
                                           <p:attrName>style.visibility</p:attrName>
@@ -6130,8 +6027,6 @@
       </p:par>
     </p:tnLst>
     <p:bldLst>
-      <p:bldP spid="13" grpId="0" animBg="1"/>
-      <p:bldP spid="14" grpId="0" animBg="1"/>
       <p:bldP spid="21" grpId="0" animBg="1"/>
       <p:bldP spid="22" grpId="0" animBg="1"/>
       <p:bldP spid="23" grpId="0" animBg="1"/>
@@ -6204,376 +6099,6 @@
           </a:p>
         </p:txBody>
       </p:sp>
-      <p:sp>
-        <p:nvSpPr>
-          <p:cNvPr id="5" name="Rectangle 4"/>
-          <p:cNvSpPr/>
-          <p:nvPr/>
-        </p:nvSpPr>
-        <p:spPr>
-          <a:xfrm>
-            <a:off x="3733800" y="2286000"/>
-            <a:ext cx="1676400" cy="584775"/>
-          </a:xfrm>
-          <a:prstGeom prst="rect">
-            <a:avLst/>
-          </a:prstGeom>
-        </p:spPr>
-        <p:txBody>
-          <a:bodyPr wrap="square">
-            <a:spAutoFit/>
-          </a:bodyPr>
-          <a:lstStyle/>
-          <a:p>
-            <a:r>
-              <a:rPr lang="en-US" sz="3200" b="1" dirty="0" err="1">
-                <a:latin typeface="Consolas" pitchFamily="49" charset="0"/>
-                <a:cs typeface="Consolas" pitchFamily="49" charset="0"/>
-              </a:rPr>
-              <a:t>sos-fn</a:t>
-            </a:r>
-            <a:endParaRPr lang="en-US" sz="3200" dirty="0"/>
-          </a:p>
-        </p:txBody>
-      </p:sp>
-      <p:sp>
-        <p:nvSpPr>
-          <p:cNvPr id="6" name="Rectangle 5"/>
-          <p:cNvSpPr/>
-          <p:nvPr/>
-        </p:nvSpPr>
-        <p:spPr>
-          <a:xfrm>
-            <a:off x="3581400" y="3886200"/>
-            <a:ext cx="1981200" cy="584775"/>
-          </a:xfrm>
-          <a:prstGeom prst="rect">
-            <a:avLst/>
-          </a:prstGeom>
-        </p:spPr>
-        <p:txBody>
-          <a:bodyPr wrap="square">
-            <a:spAutoFit/>
-          </a:bodyPr>
-          <a:lstStyle/>
-          <a:p>
-            <a:r>
-              <a:rPr lang="en-US" sz="3200" b="1" dirty="0">
-                <a:latin typeface="Consolas" pitchFamily="49" charset="0"/>
-                <a:cs typeface="Consolas" pitchFamily="49" charset="0"/>
-              </a:rPr>
-              <a:t>loss-</a:t>
-            </a:r>
-            <a:r>
-              <a:rPr lang="en-US" sz="3200" b="1" dirty="0" err="1">
-                <a:latin typeface="Consolas" pitchFamily="49" charset="0"/>
-                <a:cs typeface="Consolas" pitchFamily="49" charset="0"/>
-              </a:rPr>
-              <a:t>fn</a:t>
-            </a:r>
-            <a:endParaRPr lang="en-US" sz="3200" dirty="0"/>
-          </a:p>
-        </p:txBody>
-      </p:sp>
-      <p:cxnSp>
-        <p:nvCxnSpPr>
-          <p:cNvPr id="10" name="Straight Arrow Connector 9"/>
-          <p:cNvCxnSpPr>
-            <a:stCxn id="5" idx="2"/>
-            <a:endCxn id="6" idx="0"/>
-          </p:cNvCxnSpPr>
-          <p:nvPr/>
-        </p:nvCxnSpPr>
-        <p:spPr>
-          <a:xfrm>
-            <a:off x="4572000" y="2870775"/>
-            <a:ext cx="0" cy="1015425"/>
-          </a:xfrm>
-          <a:prstGeom prst="straightConnector1">
-            <a:avLst/>
-          </a:prstGeom>
-          <a:ln w="101600">
-            <a:tailEnd type="triangle"/>
-          </a:ln>
-        </p:spPr>
-        <p:style>
-          <a:lnRef idx="1">
-            <a:schemeClr val="accent1"/>
-          </a:lnRef>
-          <a:fillRef idx="0">
-            <a:schemeClr val="accent1"/>
-          </a:fillRef>
-          <a:effectRef idx="0">
-            <a:schemeClr val="accent1"/>
-          </a:effectRef>
-          <a:fontRef idx="minor">
-            <a:schemeClr val="tx1"/>
-          </a:fontRef>
-        </p:style>
-      </p:cxnSp>
-      <p:sp>
-        <p:nvSpPr>
-          <p:cNvPr id="13" name="Arc 12"/>
-          <p:cNvSpPr/>
-          <p:nvPr/>
-        </p:nvSpPr>
-        <p:spPr>
-          <a:xfrm rot="2560202">
-            <a:off x="4097293" y="4377388"/>
-            <a:ext cx="949411" cy="928816"/>
-          </a:xfrm>
-          <a:prstGeom prst="arc">
-            <a:avLst>
-              <a:gd name="adj1" fmla="val 16200000"/>
-              <a:gd name="adj2" fmla="val 11239142"/>
-            </a:avLst>
-          </a:prstGeom>
-          <a:ln w="101600">
-            <a:headEnd type="triangle"/>
-            <a:tailEnd type="none"/>
-          </a:ln>
-        </p:spPr>
-        <p:style>
-          <a:lnRef idx="1">
-            <a:schemeClr val="accent1"/>
-          </a:lnRef>
-          <a:fillRef idx="0">
-            <a:schemeClr val="accent1"/>
-          </a:fillRef>
-          <a:effectRef idx="0">
-            <a:schemeClr val="accent1"/>
-          </a:effectRef>
-          <a:fontRef idx="minor">
-            <a:schemeClr val="tx1"/>
-          </a:fontRef>
-        </p:style>
-        <p:txBody>
-          <a:bodyPr rtlCol="0" anchor="ctr"/>
-          <a:lstStyle/>
-          <a:p>
-            <a:pPr algn="ctr"/>
-            <a:endParaRPr lang="en-US"/>
-          </a:p>
-        </p:txBody>
-      </p:sp>
-      <p:sp>
-        <p:nvSpPr>
-          <p:cNvPr id="14" name="Arc 13"/>
-          <p:cNvSpPr/>
-          <p:nvPr/>
-        </p:nvSpPr>
-        <p:spPr>
-          <a:xfrm rot="1375710">
-            <a:off x="4524274" y="2763576"/>
-            <a:ext cx="1187875" cy="1169462"/>
-          </a:xfrm>
-          <a:prstGeom prst="arc">
-            <a:avLst>
-              <a:gd name="adj1" fmla="val 16200000"/>
-              <a:gd name="adj2" fmla="val 2201203"/>
-            </a:avLst>
-          </a:prstGeom>
-          <a:noFill/>
-          <a:ln w="101600">
-            <a:solidFill>
-              <a:schemeClr val="accent1">
-                <a:shade val="95000"/>
-                <a:satMod val="105000"/>
-              </a:schemeClr>
-            </a:solidFill>
-            <a:headEnd type="triangle"/>
-            <a:tailEnd type="none"/>
-          </a:ln>
-        </p:spPr>
-        <p:style>
-          <a:lnRef idx="1">
-            <a:schemeClr val="accent1"/>
-          </a:lnRef>
-          <a:fillRef idx="0">
-            <a:schemeClr val="accent1"/>
-          </a:fillRef>
-          <a:effectRef idx="0">
-            <a:schemeClr val="accent1"/>
-          </a:effectRef>
-          <a:fontRef idx="minor">
-            <a:schemeClr val="tx1"/>
-          </a:fontRef>
-        </p:style>
-        <p:txBody>
-          <a:bodyPr rtlCol="0" anchor="ctr"/>
-          <a:lstStyle/>
-          <a:p>
-            <a:pPr algn="ctr"/>
-            <a:endParaRPr lang="en-US"/>
-          </a:p>
-        </p:txBody>
-      </p:sp>
-      <mc:AlternateContent xmlns:mc="http://schemas.openxmlformats.org/markup-compatibility/2006">
-        <mc:Choice xmlns:a14="http://schemas.microsoft.com/office/drawing/2010/main" Requires="a14">
-          <p:sp>
-            <p:nvSpPr>
-              <p:cNvPr id="3" name="TextBox 2"/>
-              <p:cNvSpPr txBox="1"/>
-              <p:nvPr/>
-            </p:nvSpPr>
-            <p:spPr>
-              <a:xfrm rot="5400000">
-                <a:off x="5709785" y="2993766"/>
-                <a:ext cx="736099" cy="769441"/>
-              </a:xfrm>
-              <a:prstGeom prst="rect">
-                <a:avLst/>
-              </a:prstGeom>
-              <a:noFill/>
-            </p:spPr>
-            <p:txBody>
-              <a:bodyPr wrap="none" rtlCol="0">
-                <a:spAutoFit/>
-              </a:bodyPr>
-              <a:lstStyle/>
-              <a:p>
-                <a14:m>
-                  <m:oMathPara xmlns:m="http://schemas.openxmlformats.org/officeDocument/2006/math">
-                    <m:oMathParaPr>
-                      <m:jc m:val="centerGroup"/>
-                    </m:oMathParaPr>
-                    <m:oMath xmlns:m="http://schemas.openxmlformats.org/officeDocument/2006/math">
-                      <m:r>
-                        <a:rPr lang="en-US" sz="4400" i="1" dirty="0" smtClean="0">
-                          <a:latin typeface="Cambria Math" panose="02040503050406030204" pitchFamily="18" charset="0"/>
-                        </a:rPr>
-                        <m:t>&lt;</m:t>
-                      </m:r>
-                    </m:oMath>
-                  </m:oMathPara>
-                </a14:m>
-                <a:endParaRPr lang="en-US" sz="4400" dirty="0"/>
-              </a:p>
-            </p:txBody>
-          </p:sp>
-        </mc:Choice>
-        <mc:Fallback>
-          <p:sp>
-            <p:nvSpPr>
-              <p:cNvPr id="3" name="TextBox 2"/>
-              <p:cNvSpPr txBox="1">
-                <a:spLocks noRot="1" noChangeAspect="1" noMove="1" noResize="1" noEditPoints="1" noAdjustHandles="1" noChangeArrowheads="1" noChangeShapeType="1" noTextEdit="1"/>
-              </p:cNvSpPr>
-              <p:nvPr/>
-            </p:nvSpPr>
-            <p:spPr>
-              <a:xfrm rot="5400000">
-                <a:off x="5709785" y="2993766"/>
-                <a:ext cx="736099" cy="769441"/>
-              </a:xfrm>
-              <a:prstGeom prst="rect">
-                <a:avLst/>
-              </a:prstGeom>
-              <a:blipFill>
-                <a:blip r:embed="rId2"/>
-                <a:stretch>
-                  <a:fillRect/>
-                </a:stretch>
-              </a:blipFill>
-            </p:spPr>
-            <p:txBody>
-              <a:bodyPr/>
-              <a:lstStyle/>
-              <a:p>
-                <a:r>
-                  <a:rPr lang="en-US">
-                    <a:noFill/>
-                  </a:rPr>
-                  <a:t> </a:t>
-                </a:r>
-              </a:p>
-            </p:txBody>
-          </p:sp>
-        </mc:Fallback>
-      </mc:AlternateContent>
-      <mc:AlternateContent xmlns:mc="http://schemas.openxmlformats.org/markup-compatibility/2006">
-        <mc:Choice xmlns:a14="http://schemas.microsoft.com/office/drawing/2010/main" Requires="a14">
-          <p:sp>
-            <p:nvSpPr>
-              <p:cNvPr id="17" name="TextBox 16"/>
-              <p:cNvSpPr txBox="1"/>
-              <p:nvPr/>
-            </p:nvSpPr>
-            <p:spPr>
-              <a:xfrm rot="10800000">
-                <a:off x="4295052" y="5300107"/>
-                <a:ext cx="736099" cy="769441"/>
-              </a:xfrm>
-              <a:prstGeom prst="rect">
-                <a:avLst/>
-              </a:prstGeom>
-              <a:noFill/>
-            </p:spPr>
-            <p:txBody>
-              <a:bodyPr wrap="none" rtlCol="0">
-                <a:spAutoFit/>
-              </a:bodyPr>
-              <a:lstStyle/>
-              <a:p>
-                <a14:m>
-                  <m:oMathPara xmlns:m="http://schemas.openxmlformats.org/officeDocument/2006/math">
-                    <m:oMathParaPr>
-                      <m:jc m:val="centerGroup"/>
-                    </m:oMathParaPr>
-                    <m:oMath xmlns:m="http://schemas.openxmlformats.org/officeDocument/2006/math">
-                      <m:r>
-                        <a:rPr lang="en-US" sz="4400" i="1" dirty="0" smtClean="0">
-                          <a:latin typeface="Cambria Math" panose="02040503050406030204" pitchFamily="18" charset="0"/>
-                        </a:rPr>
-                        <m:t>&lt;</m:t>
-                      </m:r>
-                    </m:oMath>
-                  </m:oMathPara>
-                </a14:m>
-                <a:endParaRPr lang="en-US" sz="4400" dirty="0"/>
-              </a:p>
-            </p:txBody>
-          </p:sp>
-        </mc:Choice>
-        <mc:Fallback>
-          <p:sp>
-            <p:nvSpPr>
-              <p:cNvPr id="17" name="TextBox 16"/>
-              <p:cNvSpPr txBox="1">
-                <a:spLocks noRot="1" noChangeAspect="1" noMove="1" noResize="1" noEditPoints="1" noAdjustHandles="1" noChangeArrowheads="1" noChangeShapeType="1" noTextEdit="1"/>
-              </p:cNvSpPr>
-              <p:nvPr/>
-            </p:nvSpPr>
-            <p:spPr>
-              <a:xfrm rot="10800000">
-                <a:off x="4295052" y="5300107"/>
-                <a:ext cx="736099" cy="769441"/>
-              </a:xfrm>
-              <a:prstGeom prst="rect">
-                <a:avLst/>
-              </a:prstGeom>
-              <a:blipFill>
-                <a:blip r:embed="rId3"/>
-                <a:stretch>
-                  <a:fillRect/>
-                </a:stretch>
-              </a:blipFill>
-            </p:spPr>
-            <p:txBody>
-              <a:bodyPr/>
-              <a:lstStyle/>
-              <a:p>
-                <a:r>
-                  <a:rPr lang="en-US">
-                    <a:noFill/>
-                  </a:rPr>
-                  <a:t> </a:t>
-                </a:r>
-              </a:p>
-            </p:txBody>
-          </p:sp>
-        </mc:Fallback>
-      </mc:AlternateContent>
       <mc:AlternateContent xmlns:mc="http://schemas.openxmlformats.org/markup-compatibility/2006">
         <mc:Choice xmlns:a14="http://schemas.microsoft.com/office/drawing/2010/main" Requires="a14">
           <p:sp>
@@ -6584,8 +6109,8 @@
             </p:nvSpPr>
             <p:spPr>
               <a:xfrm>
-                <a:off x="457200" y="1524000"/>
-                <a:ext cx="3124200" cy="2819400"/>
+                <a:off x="23259" y="1980559"/>
+                <a:ext cx="3124200" cy="3514503"/>
               </a:xfrm>
               <a:prstGeom prst="rect">
                 <a:avLst/>
@@ -6643,11 +6168,14 @@
                     </m:r>
                   </m:oMath>
                 </a14:m>
-                <a:endParaRPr lang="en-US" sz="2800" dirty="0">
-                  <a:solidFill>
-                    <a:schemeClr val="tx1"/>
-                  </a:solidFill>
-                </a:endParaRPr>
+                <a:r>
+                  <a:rPr lang="en-US" sz="2800" dirty="0">
+                    <a:solidFill>
+                      <a:schemeClr val="tx1"/>
+                    </a:solidFill>
+                  </a:rPr>
+                  <a:t>, and never increases on any arrow.</a:t>
+                </a:r>
               </a:p>
             </p:txBody>
           </p:sp>
@@ -6663,16 +6191,16 @@
             </p:nvSpPr>
             <p:spPr>
               <a:xfrm>
-                <a:off x="457200" y="1524000"/>
-                <a:ext cx="3124200" cy="2819400"/>
+                <a:off x="23259" y="1980559"/>
+                <a:ext cx="3124200" cy="3514503"/>
               </a:xfrm>
               <a:prstGeom prst="rect">
                 <a:avLst/>
               </a:prstGeom>
               <a:blipFill>
-                <a:blip r:embed="rId4"/>
+                <a:blip r:embed="rId2"/>
                 <a:stretch>
-                  <a:fillRect l="-3095" r="-5609" b="-2784"/>
+                  <a:fillRect l="-3295" t="-1207" r="-5620" b="-4655"/>
                 </a:stretch>
               </a:blipFill>
               <a:ln/>
@@ -6694,14 +6222,14 @@
       </mc:AlternateContent>
       <p:sp>
         <p:nvSpPr>
-          <p:cNvPr id="18" name="Rectangle 17"/>
+          <p:cNvPr id="8" name="Rectangle 7"/>
           <p:cNvSpPr/>
           <p:nvPr/>
         </p:nvSpPr>
         <p:spPr>
           <a:xfrm>
-            <a:off x="5562597" y="4088054"/>
-            <a:ext cx="3527199" cy="2743200"/>
+            <a:off x="6019803" y="1524000"/>
+            <a:ext cx="3124197" cy="5105400"/>
           </a:xfrm>
           <a:prstGeom prst="rect">
             <a:avLst/>
@@ -6744,68 +6272,490 @@
                   <a:schemeClr val="tx1"/>
                 </a:solidFill>
               </a:rPr>
-              <a:t>Since the size of the argument is a non-negative integer, a computation can make only finitely many calls in this graph.</a:t>
-            </a:r>
-          </a:p>
-        </p:txBody>
-      </p:sp>
-      <p:sp>
-        <p:nvSpPr>
-          <p:cNvPr id="8" name="Rectangle 7"/>
-          <p:cNvSpPr/>
+              <a:t>So the halting measure decreases around every cycle in this graph. Since the size of the argument is a non-negative integer, a computation can make only finitely many calls in this graph.</a:t>
+            </a:r>
+          </a:p>
+          <a:p>
+            <a:pPr algn="ctr"/>
+            <a:endParaRPr lang="en-US" sz="2800" dirty="0">
+              <a:solidFill>
+                <a:schemeClr val="tx1"/>
+              </a:solidFill>
+            </a:endParaRPr>
+          </a:p>
+        </p:txBody>
+      </p:sp>
+      <p:grpSp>
+        <p:nvGrpSpPr>
+          <p:cNvPr id="11" name="Group 10"/>
+          <p:cNvGrpSpPr/>
           <p:nvPr/>
-        </p:nvSpPr>
-        <p:spPr>
+        </p:nvGrpSpPr>
+        <p:grpSpPr>
           <a:xfrm>
-            <a:off x="457200" y="4648199"/>
-            <a:ext cx="3124197" cy="2073275"/>
+            <a:off x="3276600" y="2057400"/>
+            <a:ext cx="2881155" cy="3783548"/>
+            <a:chOff x="3581400" y="2286000"/>
+            <a:chExt cx="2881155" cy="3783548"/>
           </a:xfrm>
-          <a:prstGeom prst="rect">
-            <a:avLst/>
-          </a:prstGeom>
-          <a:solidFill>
-            <a:schemeClr val="accent3">
-              <a:lumMod val="40000"/>
-              <a:lumOff val="60000"/>
-            </a:schemeClr>
-          </a:solidFill>
-          <a:ln/>
-        </p:spPr>
-        <p:style>
-          <a:lnRef idx="2">
-            <a:schemeClr val="accent1"/>
-          </a:lnRef>
-          <a:fillRef idx="1">
-            <a:schemeClr val="lt1"/>
-          </a:fillRef>
-          <a:effectRef idx="0">
-            <a:schemeClr val="accent1"/>
-          </a:effectRef>
-          <a:fontRef idx="minor">
-            <a:schemeClr val="dk1"/>
-          </a:fontRef>
-        </p:style>
-        <p:txBody>
-          <a:bodyPr rot="0" spcFirstLastPara="0" vertOverflow="overflow" horzOverflow="overflow" vert="horz" wrap="square" lIns="91440" tIns="45720" rIns="91440" bIns="45720" numCol="1" spcCol="0" rtlCol="0" fromWordArt="0" anchor="ctr" anchorCtr="0" forceAA="0" compatLnSpc="1">
-            <a:prstTxWarp prst="textNoShape">
+        </p:grpSpPr>
+        <p:sp>
+          <p:nvSpPr>
+            <p:cNvPr id="5" name="Rectangle 4"/>
+            <p:cNvSpPr/>
+            <p:nvPr/>
+          </p:nvSpPr>
+          <p:spPr>
+            <a:xfrm>
+              <a:off x="3733800" y="2286000"/>
+              <a:ext cx="1676400" cy="584775"/>
+            </a:xfrm>
+            <a:prstGeom prst="rect">
               <a:avLst/>
-            </a:prstTxWarp>
-            <a:noAutofit/>
-          </a:bodyPr>
-          <a:lstStyle/>
-          <a:p>
-            <a:pPr algn="ctr"/>
-            <a:r>
-              <a:rPr lang="en-US" sz="2800" dirty="0">
-                <a:solidFill>
-                  <a:schemeClr val="tx1"/>
-                </a:solidFill>
-              </a:rPr>
-              <a:t>Observe that the halting measure decreases around every cycle in this graph</a:t>
-            </a:r>
-          </a:p>
-        </p:txBody>
-      </p:sp>
+            </a:prstGeom>
+          </p:spPr>
+          <p:txBody>
+            <a:bodyPr wrap="square">
+              <a:spAutoFit/>
+            </a:bodyPr>
+            <a:lstStyle/>
+            <a:p>
+              <a:r>
+                <a:rPr lang="en-US" sz="3200" b="1" dirty="0" err="1">
+                  <a:latin typeface="Consolas" pitchFamily="49" charset="0"/>
+                  <a:cs typeface="Consolas" pitchFamily="49" charset="0"/>
+                </a:rPr>
+                <a:t>sos-fn</a:t>
+              </a:r>
+              <a:endParaRPr lang="en-US" sz="3200" dirty="0"/>
+            </a:p>
+          </p:txBody>
+        </p:sp>
+        <p:sp>
+          <p:nvSpPr>
+            <p:cNvPr id="6" name="Rectangle 5"/>
+            <p:cNvSpPr/>
+            <p:nvPr/>
+          </p:nvSpPr>
+          <p:spPr>
+            <a:xfrm>
+              <a:off x="3581400" y="3886200"/>
+              <a:ext cx="1981200" cy="584775"/>
+            </a:xfrm>
+            <a:prstGeom prst="rect">
+              <a:avLst/>
+            </a:prstGeom>
+          </p:spPr>
+          <p:txBody>
+            <a:bodyPr wrap="square">
+              <a:spAutoFit/>
+            </a:bodyPr>
+            <a:lstStyle/>
+            <a:p>
+              <a:r>
+                <a:rPr lang="en-US" sz="3200" b="1" dirty="0">
+                  <a:latin typeface="Consolas" pitchFamily="49" charset="0"/>
+                  <a:cs typeface="Consolas" pitchFamily="49" charset="0"/>
+                </a:rPr>
+                <a:t>loss-</a:t>
+              </a:r>
+              <a:r>
+                <a:rPr lang="en-US" sz="3200" b="1" dirty="0" err="1">
+                  <a:latin typeface="Consolas" pitchFamily="49" charset="0"/>
+                  <a:cs typeface="Consolas" pitchFamily="49" charset="0"/>
+                </a:rPr>
+                <a:t>fn</a:t>
+              </a:r>
+              <a:endParaRPr lang="en-US" sz="3200" dirty="0"/>
+            </a:p>
+          </p:txBody>
+        </p:sp>
+        <p:cxnSp>
+          <p:nvCxnSpPr>
+            <p:cNvPr id="10" name="Straight Arrow Connector 9"/>
+            <p:cNvCxnSpPr>
+              <a:stCxn id="5" idx="2"/>
+              <a:endCxn id="6" idx="0"/>
+            </p:cNvCxnSpPr>
+            <p:nvPr/>
+          </p:nvCxnSpPr>
+          <p:spPr>
+            <a:xfrm>
+              <a:off x="4572000" y="2870775"/>
+              <a:ext cx="0" cy="1015425"/>
+            </a:xfrm>
+            <a:prstGeom prst="straightConnector1">
+              <a:avLst/>
+            </a:prstGeom>
+            <a:ln w="101600">
+              <a:tailEnd type="triangle"/>
+            </a:ln>
+          </p:spPr>
+          <p:style>
+            <a:lnRef idx="1">
+              <a:schemeClr val="accent1"/>
+            </a:lnRef>
+            <a:fillRef idx="0">
+              <a:schemeClr val="accent1"/>
+            </a:fillRef>
+            <a:effectRef idx="0">
+              <a:schemeClr val="accent1"/>
+            </a:effectRef>
+            <a:fontRef idx="minor">
+              <a:schemeClr val="tx1"/>
+            </a:fontRef>
+          </p:style>
+        </p:cxnSp>
+        <p:sp>
+          <p:nvSpPr>
+            <p:cNvPr id="13" name="Arc 12"/>
+            <p:cNvSpPr/>
+            <p:nvPr/>
+          </p:nvSpPr>
+          <p:spPr>
+            <a:xfrm rot="2560202">
+              <a:off x="4097293" y="4377388"/>
+              <a:ext cx="949411" cy="928816"/>
+            </a:xfrm>
+            <a:prstGeom prst="arc">
+              <a:avLst>
+                <a:gd name="adj1" fmla="val 16200000"/>
+                <a:gd name="adj2" fmla="val 11239142"/>
+              </a:avLst>
+            </a:prstGeom>
+            <a:ln w="101600">
+              <a:headEnd type="triangle"/>
+              <a:tailEnd type="none"/>
+            </a:ln>
+          </p:spPr>
+          <p:style>
+            <a:lnRef idx="1">
+              <a:schemeClr val="accent1"/>
+            </a:lnRef>
+            <a:fillRef idx="0">
+              <a:schemeClr val="accent1"/>
+            </a:fillRef>
+            <a:effectRef idx="0">
+              <a:schemeClr val="accent1"/>
+            </a:effectRef>
+            <a:fontRef idx="minor">
+              <a:schemeClr val="tx1"/>
+            </a:fontRef>
+          </p:style>
+          <p:txBody>
+            <a:bodyPr rtlCol="0" anchor="ctr"/>
+            <a:lstStyle/>
+            <a:p>
+              <a:pPr algn="ctr"/>
+              <a:endParaRPr lang="en-US"/>
+            </a:p>
+          </p:txBody>
+        </p:sp>
+        <p:sp>
+          <p:nvSpPr>
+            <p:cNvPr id="14" name="Arc 13"/>
+            <p:cNvSpPr/>
+            <p:nvPr/>
+          </p:nvSpPr>
+          <p:spPr>
+            <a:xfrm rot="1375710">
+              <a:off x="4524274" y="2763576"/>
+              <a:ext cx="1187875" cy="1169462"/>
+            </a:xfrm>
+            <a:prstGeom prst="arc">
+              <a:avLst>
+                <a:gd name="adj1" fmla="val 16200000"/>
+                <a:gd name="adj2" fmla="val 2201203"/>
+              </a:avLst>
+            </a:prstGeom>
+            <a:noFill/>
+            <a:ln w="101600">
+              <a:solidFill>
+                <a:schemeClr val="accent1">
+                  <a:shade val="95000"/>
+                  <a:satMod val="105000"/>
+                </a:schemeClr>
+              </a:solidFill>
+              <a:headEnd type="triangle"/>
+              <a:tailEnd type="none"/>
+            </a:ln>
+          </p:spPr>
+          <p:style>
+            <a:lnRef idx="1">
+              <a:schemeClr val="accent1"/>
+            </a:lnRef>
+            <a:fillRef idx="0">
+              <a:schemeClr val="accent1"/>
+            </a:fillRef>
+            <a:effectRef idx="0">
+              <a:schemeClr val="accent1"/>
+            </a:effectRef>
+            <a:fontRef idx="minor">
+              <a:schemeClr val="tx1"/>
+            </a:fontRef>
+          </p:style>
+          <p:txBody>
+            <a:bodyPr rtlCol="0" anchor="ctr"/>
+            <a:lstStyle/>
+            <a:p>
+              <a:pPr algn="ctr"/>
+              <a:endParaRPr lang="en-US"/>
+            </a:p>
+          </p:txBody>
+        </p:sp>
+        <mc:AlternateContent xmlns:mc="http://schemas.openxmlformats.org/markup-compatibility/2006">
+          <mc:Choice xmlns:a14="http://schemas.microsoft.com/office/drawing/2010/main" Requires="a14">
+            <p:sp>
+              <p:nvSpPr>
+                <p:cNvPr id="3" name="TextBox 2"/>
+                <p:cNvSpPr txBox="1"/>
+                <p:nvPr/>
+              </p:nvSpPr>
+              <p:spPr>
+                <a:xfrm rot="5400000">
+                  <a:off x="5709785" y="2993766"/>
+                  <a:ext cx="736099" cy="769441"/>
+                </a:xfrm>
+                <a:prstGeom prst="rect">
+                  <a:avLst/>
+                </a:prstGeom>
+                <a:noFill/>
+              </p:spPr>
+              <p:txBody>
+                <a:bodyPr wrap="none" rtlCol="0">
+                  <a:spAutoFit/>
+                </a:bodyPr>
+                <a:lstStyle/>
+                <a:p>
+                  <a:pPr/>
+                  <a14:m>
+                    <m:oMathPara xmlns:m="http://schemas.openxmlformats.org/officeDocument/2006/math">
+                      <m:oMathParaPr>
+                        <m:jc m:val="centerGroup"/>
+                      </m:oMathParaPr>
+                      <m:oMath xmlns:m="http://schemas.openxmlformats.org/officeDocument/2006/math">
+                        <m:r>
+                          <a:rPr lang="en-US" sz="4400" i="1" dirty="0" smtClean="0">
+                            <a:latin typeface="Cambria Math" panose="02040503050406030204" pitchFamily="18" charset="0"/>
+                          </a:rPr>
+                          <m:t>&lt;</m:t>
+                        </m:r>
+                      </m:oMath>
+                    </m:oMathPara>
+                  </a14:m>
+                  <a:endParaRPr lang="en-US" sz="4400" dirty="0"/>
+                </a:p>
+              </p:txBody>
+            </p:sp>
+          </mc:Choice>
+          <mc:Fallback>
+            <p:sp>
+              <p:nvSpPr>
+                <p:cNvPr id="3" name="TextBox 2"/>
+                <p:cNvSpPr txBox="1">
+                  <a:spLocks noRot="1" noChangeAspect="1" noMove="1" noResize="1" noEditPoints="1" noAdjustHandles="1" noChangeArrowheads="1" noChangeShapeType="1" noTextEdit="1"/>
+                </p:cNvSpPr>
+                <p:nvPr/>
+              </p:nvSpPr>
+              <p:spPr>
+                <a:xfrm rot="5400000">
+                  <a:off x="5709785" y="2993766"/>
+                  <a:ext cx="736099" cy="769441"/>
+                </a:xfrm>
+                <a:prstGeom prst="rect">
+                  <a:avLst/>
+                </a:prstGeom>
+                <a:blipFill>
+                  <a:blip r:embed="rId3"/>
+                  <a:stretch>
+                    <a:fillRect/>
+                  </a:stretch>
+                </a:blipFill>
+              </p:spPr>
+              <p:txBody>
+                <a:bodyPr/>
+                <a:lstStyle/>
+                <a:p>
+                  <a:r>
+                    <a:rPr lang="en-US">
+                      <a:noFill/>
+                    </a:rPr>
+                    <a:t> </a:t>
+                  </a:r>
+                </a:p>
+              </p:txBody>
+            </p:sp>
+          </mc:Fallback>
+        </mc:AlternateContent>
+        <mc:AlternateContent xmlns:mc="http://schemas.openxmlformats.org/markup-compatibility/2006">
+          <mc:Choice xmlns:a14="http://schemas.microsoft.com/office/drawing/2010/main" Requires="a14">
+            <p:sp>
+              <p:nvSpPr>
+                <p:cNvPr id="17" name="TextBox 16"/>
+                <p:cNvSpPr txBox="1"/>
+                <p:nvPr/>
+              </p:nvSpPr>
+              <p:spPr>
+                <a:xfrm rot="10800000">
+                  <a:off x="4295052" y="5300107"/>
+                  <a:ext cx="736099" cy="769441"/>
+                </a:xfrm>
+                <a:prstGeom prst="rect">
+                  <a:avLst/>
+                </a:prstGeom>
+                <a:noFill/>
+              </p:spPr>
+              <p:txBody>
+                <a:bodyPr wrap="none" rtlCol="0">
+                  <a:spAutoFit/>
+                </a:bodyPr>
+                <a:lstStyle/>
+                <a:p>
+                  <a:pPr/>
+                  <a14:m>
+                    <m:oMathPara xmlns:m="http://schemas.openxmlformats.org/officeDocument/2006/math">
+                      <m:oMathParaPr>
+                        <m:jc m:val="centerGroup"/>
+                      </m:oMathParaPr>
+                      <m:oMath xmlns:m="http://schemas.openxmlformats.org/officeDocument/2006/math">
+                        <m:r>
+                          <a:rPr lang="en-US" sz="4400" i="1" dirty="0" smtClean="0">
+                            <a:latin typeface="Cambria Math" panose="02040503050406030204" pitchFamily="18" charset="0"/>
+                          </a:rPr>
+                          <m:t>&lt;</m:t>
+                        </m:r>
+                      </m:oMath>
+                    </m:oMathPara>
+                  </a14:m>
+                  <a:endParaRPr lang="en-US" sz="4400" dirty="0"/>
+                </a:p>
+              </p:txBody>
+            </p:sp>
+          </mc:Choice>
+          <mc:Fallback>
+            <p:sp>
+              <p:nvSpPr>
+                <p:cNvPr id="17" name="TextBox 16"/>
+                <p:cNvSpPr txBox="1">
+                  <a:spLocks noRot="1" noChangeAspect="1" noMove="1" noResize="1" noEditPoints="1" noAdjustHandles="1" noChangeArrowheads="1" noChangeShapeType="1" noTextEdit="1"/>
+                </p:cNvSpPr>
+                <p:nvPr/>
+              </p:nvSpPr>
+              <p:spPr>
+                <a:xfrm rot="10800000">
+                  <a:off x="4295052" y="5300107"/>
+                  <a:ext cx="736099" cy="769441"/>
+                </a:xfrm>
+                <a:prstGeom prst="rect">
+                  <a:avLst/>
+                </a:prstGeom>
+                <a:blipFill>
+                  <a:blip r:embed="rId4"/>
+                  <a:stretch>
+                    <a:fillRect/>
+                  </a:stretch>
+                </a:blipFill>
+              </p:spPr>
+              <p:txBody>
+                <a:bodyPr/>
+                <a:lstStyle/>
+                <a:p>
+                  <a:r>
+                    <a:rPr lang="en-US">
+                      <a:noFill/>
+                    </a:rPr>
+                    <a:t> </a:t>
+                  </a:r>
+                </a:p>
+              </p:txBody>
+            </p:sp>
+          </mc:Fallback>
+        </mc:AlternateContent>
+        <mc:AlternateContent xmlns:mc="http://schemas.openxmlformats.org/markup-compatibility/2006">
+          <mc:Choice xmlns:a14="http://schemas.microsoft.com/office/drawing/2010/main" Requires="a14">
+            <p:sp>
+              <p:nvSpPr>
+                <p:cNvPr id="15" name="TextBox 14"/>
+                <p:cNvSpPr txBox="1"/>
+                <p:nvPr/>
+              </p:nvSpPr>
+              <p:spPr>
+                <a:xfrm rot="5400000">
+                  <a:off x="3895246" y="2914464"/>
+                  <a:ext cx="736099" cy="769441"/>
+                </a:xfrm>
+                <a:prstGeom prst="rect">
+                  <a:avLst/>
+                </a:prstGeom>
+                <a:noFill/>
+              </p:spPr>
+              <p:txBody>
+                <a:bodyPr wrap="none" rtlCol="0">
+                  <a:spAutoFit/>
+                </a:bodyPr>
+                <a:lstStyle/>
+                <a:p>
+                  <a:pPr/>
+                  <a14:m>
+                    <m:oMathPara xmlns:m="http://schemas.openxmlformats.org/officeDocument/2006/math">
+                      <m:oMathParaPr>
+                        <m:jc m:val="centerGroup"/>
+                      </m:oMathParaPr>
+                      <m:oMath xmlns:m="http://schemas.openxmlformats.org/officeDocument/2006/math">
+                        <m:r>
+                          <a:rPr lang="en-US" sz="4400" b="0" i="1" dirty="0" smtClean="0">
+                            <a:latin typeface="Cambria Math" panose="02040503050406030204" pitchFamily="18" charset="0"/>
+                          </a:rPr>
+                          <m:t>=</m:t>
+                        </m:r>
+                      </m:oMath>
+                    </m:oMathPara>
+                  </a14:m>
+                  <a:endParaRPr lang="en-US" sz="4400" dirty="0"/>
+                </a:p>
+              </p:txBody>
+            </p:sp>
+          </mc:Choice>
+          <mc:Fallback>
+            <p:sp>
+              <p:nvSpPr>
+                <p:cNvPr id="15" name="TextBox 14"/>
+                <p:cNvSpPr txBox="1">
+                  <a:spLocks noRot="1" noChangeAspect="1" noMove="1" noResize="1" noEditPoints="1" noAdjustHandles="1" noChangeArrowheads="1" noChangeShapeType="1" noTextEdit="1"/>
+                </p:cNvSpPr>
+                <p:nvPr/>
+              </p:nvSpPr>
+              <p:spPr>
+                <a:xfrm rot="5400000">
+                  <a:off x="3895246" y="2914464"/>
+                  <a:ext cx="736099" cy="769441"/>
+                </a:xfrm>
+                <a:prstGeom prst="rect">
+                  <a:avLst/>
+                </a:prstGeom>
+                <a:blipFill>
+                  <a:blip r:embed="rId5"/>
+                  <a:stretch>
+                    <a:fillRect/>
+                  </a:stretch>
+                </a:blipFill>
+              </p:spPr>
+              <p:txBody>
+                <a:bodyPr/>
+                <a:lstStyle/>
+                <a:p>
+                  <a:r>
+                    <a:rPr lang="en-US">
+                      <a:noFill/>
+                    </a:rPr>
+                    <a:t> </a:t>
+                  </a:r>
+                </a:p>
+              </p:txBody>
+            </p:sp>
+          </mc:Fallback>
+        </mc:AlternateContent>
+      </p:grpSp>
     </p:spTree>
     <p:extLst>
       <p:ext uri="{BB962C8B-B14F-4D97-AF65-F5344CB8AC3E}">
@@ -6869,33 +6819,664 @@
                       </p:childTnLst>
                     </p:cTn>
                   </p:par>
+                </p:childTnLst>
+              </p:cTn>
+              <p:prevCondLst>
+                <p:cond evt="onPrev" delay="0">
+                  <p:tgtEl>
+                    <p:sldTgt/>
+                  </p:tgtEl>
+                </p:cond>
+              </p:prevCondLst>
+              <p:nextCondLst>
+                <p:cond evt="onNext" delay="0">
+                  <p:tgtEl>
+                    <p:sldTgt/>
+                  </p:tgtEl>
+                </p:cond>
+              </p:nextCondLst>
+            </p:seq>
+          </p:childTnLst>
+        </p:cTn>
+      </p:par>
+    </p:tnLst>
+    <p:bldLst>
+      <p:bldP spid="8" grpId="0" animBg="1"/>
+    </p:bldLst>
+  </p:timing>
+</p:sld>
+</file>
+
+<file path=ppt/slides/slide14.xml><?xml version="1.0" encoding="utf-8"?>
+<p:sld xmlns:a="http://schemas.openxmlformats.org/drawingml/2006/main" xmlns:r="http://schemas.openxmlformats.org/officeDocument/2006/relationships" xmlns:p="http://schemas.openxmlformats.org/presentationml/2006/main">
+  <p:cSld>
+    <p:spTree>
+      <p:nvGrpSpPr>
+        <p:cNvPr id="1" name=""/>
+        <p:cNvGrpSpPr/>
+        <p:nvPr/>
+      </p:nvGrpSpPr>
+      <p:grpSpPr>
+        <a:xfrm>
+          <a:off x="0" y="0"/>
+          <a:ext cx="0" cy="0"/>
+          <a:chOff x="0" y="0"/>
+          <a:chExt cx="0" cy="0"/>
+        </a:xfrm>
+      </p:grpSpPr>
+      <p:sp>
+        <p:nvSpPr>
+          <p:cNvPr id="2" name="Title 1"/>
+          <p:cNvSpPr>
+            <a:spLocks noGrp="1"/>
+          </p:cNvSpPr>
+          <p:nvPr>
+            <p:ph type="title"/>
+          </p:nvPr>
+        </p:nvSpPr>
+        <p:spPr/>
+        <p:txBody>
+          <a:bodyPr>
+            <a:normAutofit fontScale="90000"/>
+          </a:bodyPr>
+          <a:lstStyle/>
+          <a:p>
+            <a:r>
+              <a:rPr lang="en-US" dirty="0"/>
+              <a:t>Refined Definition of a Halting Measure</a:t>
+            </a:r>
+          </a:p>
+        </p:txBody>
+      </p:sp>
+      <p:sp>
+        <p:nvSpPr>
+          <p:cNvPr id="3" name="Content Placeholder 2"/>
+          <p:cNvSpPr>
+            <a:spLocks noGrp="1"/>
+          </p:cNvSpPr>
+          <p:nvPr>
+            <p:ph idx="1"/>
+          </p:nvPr>
+        </p:nvSpPr>
+        <p:spPr/>
+        <p:txBody>
+          <a:bodyPr>
+            <a:normAutofit lnSpcReduction="10000"/>
+          </a:bodyPr>
+          <a:lstStyle/>
+          <a:p>
+            <a:r>
+              <a:rPr lang="en-US" dirty="0"/>
+              <a:t>Definition: a </a:t>
+            </a:r>
+            <a:r>
+              <a:rPr lang="en-US" i="1" dirty="0"/>
+              <a:t>halting measure </a:t>
+            </a:r>
+            <a:r>
+              <a:rPr lang="en-US" dirty="0"/>
+              <a:t>for a particular function is an integer-valued quantity that can't be less than zero, and which </a:t>
+            </a:r>
+            <a:r>
+              <a:rPr lang="en-US" i="1" dirty="0">
+                <a:solidFill>
+                  <a:srgbClr val="FF0000"/>
+                </a:solidFill>
+              </a:rPr>
+              <a:t>decreases around every cycle in the call graph.</a:t>
+            </a:r>
+          </a:p>
+          <a:p>
+            <a:r>
+              <a:rPr lang="en-US" dirty="0"/>
+              <a:t>In general, you can't just look at a single function– you have to trace the call graph.</a:t>
+            </a:r>
+          </a:p>
+          <a:p>
+            <a:r>
+              <a:rPr lang="en-US" dirty="0"/>
+              <a:t>For functions that follow the template, the size of the argument is almost always a  halting measure.</a:t>
+            </a:r>
+          </a:p>
+          <a:p>
+            <a:endParaRPr lang="en-US" dirty="0">
+              <a:solidFill>
+                <a:srgbClr val="FF0000"/>
+              </a:solidFill>
+            </a:endParaRPr>
+          </a:p>
+        </p:txBody>
+      </p:sp>
+      <p:sp>
+        <p:nvSpPr>
+          <p:cNvPr id="4" name="Slide Number Placeholder 3"/>
+          <p:cNvSpPr>
+            <a:spLocks noGrp="1"/>
+          </p:cNvSpPr>
+          <p:nvPr>
+            <p:ph type="sldNum" sz="quarter" idx="12"/>
+          </p:nvPr>
+        </p:nvSpPr>
+        <p:spPr/>
+        <p:txBody>
+          <a:bodyPr/>
+          <a:lstStyle/>
+          <a:p>
+            <a:fld id="{9F4492BD-6A9C-48FC-AC76-0B4FE11194A1}" type="slidenum">
+              <a:rPr lang="en-US" smtClean="0"/>
+              <a:pPr/>
+              <a:t>14</a:t>
+            </a:fld>
+            <a:endParaRPr lang="en-US"/>
+          </a:p>
+        </p:txBody>
+      </p:sp>
+    </p:spTree>
+    <p:extLst>
+      <p:ext uri="{BB962C8B-B14F-4D97-AF65-F5344CB8AC3E}">
+        <p14:creationId xmlns:p14="http://schemas.microsoft.com/office/powerpoint/2010/main" val="204011719"/>
+      </p:ext>
+    </p:extLst>
+  </p:cSld>
+  <p:clrMapOvr>
+    <a:masterClrMapping/>
+  </p:clrMapOvr>
+</p:sld>
+</file>
+
+<file path=ppt/slides/slide15.xml><?xml version="1.0" encoding="utf-8"?>
+<p:sld xmlns:a="http://schemas.openxmlformats.org/drawingml/2006/main" xmlns:r="http://schemas.openxmlformats.org/officeDocument/2006/relationships" xmlns:p="http://schemas.openxmlformats.org/presentationml/2006/main">
+  <p:cSld>
+    <p:spTree>
+      <p:nvGrpSpPr>
+        <p:cNvPr id="1" name=""/>
+        <p:cNvGrpSpPr/>
+        <p:nvPr/>
+      </p:nvGrpSpPr>
+      <p:grpSpPr>
+        <a:xfrm>
+          <a:off x="0" y="0"/>
+          <a:ext cx="0" cy="0"/>
+          <a:chOff x="0" y="0"/>
+          <a:chExt cx="0" cy="0"/>
+        </a:xfrm>
+      </p:grpSpPr>
+      <p:sp>
+        <p:nvSpPr>
+          <p:cNvPr id="2" name="Title 1"/>
+          <p:cNvSpPr>
+            <a:spLocks noGrp="1"/>
+          </p:cNvSpPr>
+          <p:nvPr>
+            <p:ph type="title"/>
+          </p:nvPr>
+        </p:nvSpPr>
+        <p:spPr/>
+        <p:txBody>
+          <a:bodyPr>
+            <a:normAutofit fontScale="90000"/>
+          </a:bodyPr>
+          <a:lstStyle/>
+          <a:p>
+            <a:r>
+              <a:rPr lang="en-US" dirty="0"/>
+              <a:t>A more subtle example</a:t>
+            </a:r>
+            <a:br>
+              <a:rPr lang="en-US" dirty="0"/>
+            </a:br>
+            <a:r>
+              <a:rPr lang="en-US" dirty="0"/>
+              <a:t>Descendant Trees</a:t>
+            </a:r>
+          </a:p>
+        </p:txBody>
+      </p:sp>
+      <p:sp>
+        <p:nvSpPr>
+          <p:cNvPr id="3" name="Content Placeholder 2"/>
+          <p:cNvSpPr>
+            <a:spLocks noGrp="1"/>
+          </p:cNvSpPr>
+          <p:nvPr>
+            <p:ph idx="1"/>
+          </p:nvPr>
+        </p:nvSpPr>
+        <p:spPr/>
+        <p:txBody>
+          <a:bodyPr>
+            <a:normAutofit/>
+          </a:bodyPr>
+          <a:lstStyle/>
+          <a:p>
+            <a:pPr>
+              <a:buNone/>
+            </a:pPr>
+            <a:r>
+              <a:rPr lang="en-US" sz="2400" b="1" dirty="0">
+                <a:latin typeface="Consolas" pitchFamily="49" charset="0"/>
+                <a:cs typeface="Consolas" pitchFamily="49" charset="0"/>
+              </a:rPr>
+              <a:t>(define-</a:t>
+            </a:r>
+            <a:r>
+              <a:rPr lang="en-US" sz="2400" b="1" dirty="0" err="1">
+                <a:latin typeface="Consolas" pitchFamily="49" charset="0"/>
+                <a:cs typeface="Consolas" pitchFamily="49" charset="0"/>
+              </a:rPr>
+              <a:t>struct</a:t>
+            </a:r>
+            <a:r>
+              <a:rPr lang="en-US" sz="2400" b="1" dirty="0">
+                <a:latin typeface="Consolas" pitchFamily="49" charset="0"/>
+                <a:cs typeface="Consolas" pitchFamily="49" charset="0"/>
+              </a:rPr>
+              <a:t> person (name children))</a:t>
+            </a:r>
+          </a:p>
+          <a:p>
+            <a:pPr>
+              <a:buNone/>
+            </a:pPr>
+            <a:endParaRPr lang="en-US" sz="2400" b="1" dirty="0">
+              <a:latin typeface="Consolas" pitchFamily="49" charset="0"/>
+              <a:cs typeface="Consolas" pitchFamily="49" charset="0"/>
+            </a:endParaRPr>
+          </a:p>
+          <a:p>
+            <a:pPr>
+              <a:buNone/>
+            </a:pPr>
+            <a:r>
+              <a:rPr lang="en-US" sz="2400" b="1" dirty="0">
+                <a:latin typeface="Consolas" pitchFamily="49" charset="0"/>
+                <a:cs typeface="Consolas" pitchFamily="49" charset="0"/>
+              </a:rPr>
+              <a:t>;; A </a:t>
+            </a:r>
+            <a:r>
+              <a:rPr lang="en-US" sz="2400" b="1" dirty="0">
+                <a:solidFill>
+                  <a:srgbClr val="FF0000"/>
+                </a:solidFill>
+                <a:latin typeface="Consolas" pitchFamily="49" charset="0"/>
+                <a:cs typeface="Consolas" pitchFamily="49" charset="0"/>
+              </a:rPr>
+              <a:t>Person</a:t>
+            </a:r>
+            <a:r>
+              <a:rPr lang="en-US" sz="2400" b="1" dirty="0">
+                <a:latin typeface="Consolas" pitchFamily="49" charset="0"/>
+                <a:cs typeface="Consolas" pitchFamily="49" charset="0"/>
+              </a:rPr>
+              <a:t> is a </a:t>
+            </a:r>
+          </a:p>
+          <a:p>
+            <a:pPr>
+              <a:buNone/>
+            </a:pPr>
+            <a:r>
+              <a:rPr lang="en-US" sz="2400" b="1" dirty="0">
+                <a:latin typeface="Consolas" pitchFamily="49" charset="0"/>
+                <a:cs typeface="Consolas" pitchFamily="49" charset="0"/>
+              </a:rPr>
+              <a:t>;; (make-person String </a:t>
+            </a:r>
+            <a:r>
+              <a:rPr lang="en-US" sz="2400" b="1" dirty="0">
+                <a:solidFill>
+                  <a:schemeClr val="accent1"/>
+                </a:solidFill>
+                <a:latin typeface="Consolas" pitchFamily="49" charset="0"/>
+                <a:cs typeface="Consolas" pitchFamily="49" charset="0"/>
+              </a:rPr>
+              <a:t>Persons</a:t>
+            </a:r>
+            <a:r>
+              <a:rPr lang="en-US" sz="2400" b="1" dirty="0">
+                <a:latin typeface="Consolas" pitchFamily="49" charset="0"/>
+                <a:cs typeface="Consolas" pitchFamily="49" charset="0"/>
+              </a:rPr>
+              <a:t>)</a:t>
+            </a:r>
+          </a:p>
+          <a:p>
+            <a:pPr>
+              <a:buNone/>
+            </a:pPr>
+            <a:endParaRPr lang="en-US" sz="2400" b="1" dirty="0">
+              <a:latin typeface="Consolas" pitchFamily="49" charset="0"/>
+              <a:cs typeface="Consolas" pitchFamily="49" charset="0"/>
+            </a:endParaRPr>
+          </a:p>
+          <a:p>
+            <a:pPr>
+              <a:buNone/>
+            </a:pPr>
+            <a:r>
+              <a:rPr lang="en-US" sz="2400" b="1" dirty="0">
+                <a:latin typeface="Consolas" pitchFamily="49" charset="0"/>
+                <a:cs typeface="Consolas" pitchFamily="49" charset="0"/>
+              </a:rPr>
+              <a:t>;; A </a:t>
+            </a:r>
+            <a:r>
+              <a:rPr lang="en-US" sz="2400" b="1" dirty="0">
+                <a:solidFill>
+                  <a:schemeClr val="accent1"/>
+                </a:solidFill>
+                <a:latin typeface="Consolas" pitchFamily="49" charset="0"/>
+                <a:cs typeface="Consolas" pitchFamily="49" charset="0"/>
+              </a:rPr>
+              <a:t>Persons</a:t>
+            </a:r>
+            <a:r>
+              <a:rPr lang="en-US" sz="2400" b="1" dirty="0">
+                <a:latin typeface="Consolas" pitchFamily="49" charset="0"/>
+                <a:cs typeface="Consolas" pitchFamily="49" charset="0"/>
+              </a:rPr>
+              <a:t> is one of</a:t>
+            </a:r>
+          </a:p>
+          <a:p>
+            <a:pPr>
+              <a:buNone/>
+            </a:pPr>
+            <a:r>
+              <a:rPr lang="en-US" sz="2400" b="1" dirty="0">
+                <a:latin typeface="Consolas" pitchFamily="49" charset="0"/>
+                <a:cs typeface="Consolas" pitchFamily="49" charset="0"/>
+              </a:rPr>
+              <a:t>;; -- empty</a:t>
+            </a:r>
+          </a:p>
+          <a:p>
+            <a:pPr>
+              <a:buNone/>
+            </a:pPr>
+            <a:r>
+              <a:rPr lang="en-US" sz="2400" b="1" dirty="0">
+                <a:latin typeface="Consolas" pitchFamily="49" charset="0"/>
+                <a:cs typeface="Consolas" pitchFamily="49" charset="0"/>
+              </a:rPr>
+              <a:t>;; -- (cons </a:t>
+            </a:r>
+            <a:r>
+              <a:rPr lang="en-US" sz="2400" b="1" dirty="0">
+                <a:solidFill>
+                  <a:srgbClr val="FF0000"/>
+                </a:solidFill>
+                <a:latin typeface="Consolas" pitchFamily="49" charset="0"/>
+                <a:cs typeface="Consolas" pitchFamily="49" charset="0"/>
+              </a:rPr>
+              <a:t>Person</a:t>
+            </a:r>
+            <a:r>
+              <a:rPr lang="en-US" sz="2400" b="1" dirty="0">
+                <a:latin typeface="Consolas" pitchFamily="49" charset="0"/>
+                <a:cs typeface="Consolas" pitchFamily="49" charset="0"/>
+              </a:rPr>
+              <a:t> </a:t>
+            </a:r>
+            <a:r>
+              <a:rPr lang="en-US" sz="2400" b="1" dirty="0">
+                <a:solidFill>
+                  <a:schemeClr val="accent1"/>
+                </a:solidFill>
+                <a:latin typeface="Consolas" pitchFamily="49" charset="0"/>
+                <a:cs typeface="Consolas" pitchFamily="49" charset="0"/>
+              </a:rPr>
+              <a:t>Persons</a:t>
+            </a:r>
+            <a:r>
+              <a:rPr lang="en-US" sz="2400" b="1" dirty="0">
+                <a:latin typeface="Consolas" pitchFamily="49" charset="0"/>
+                <a:cs typeface="Consolas" pitchFamily="49" charset="0"/>
+              </a:rPr>
+              <a:t>)</a:t>
+            </a:r>
+          </a:p>
+        </p:txBody>
+      </p:sp>
+      <p:sp>
+        <p:nvSpPr>
+          <p:cNvPr id="7" name="Slide Number Placeholder 6"/>
+          <p:cNvSpPr>
+            <a:spLocks noGrp="1"/>
+          </p:cNvSpPr>
+          <p:nvPr>
+            <p:ph type="sldNum" sz="quarter" idx="12"/>
+          </p:nvPr>
+        </p:nvSpPr>
+        <p:spPr/>
+        <p:txBody>
+          <a:bodyPr/>
+          <a:lstStyle/>
+          <a:p>
+            <a:fld id="{C1D4534E-1B22-4A44-850A-B3E8E9EE687A}" type="slidenum">
+              <a:rPr lang="en-US" smtClean="0"/>
+              <a:t>15</a:t>
+            </a:fld>
+            <a:endParaRPr lang="en-US"/>
+          </a:p>
+        </p:txBody>
+      </p:sp>
+      <p:sp>
+        <p:nvSpPr>
+          <p:cNvPr id="4" name="Right Arrow 3"/>
+          <p:cNvSpPr/>
+          <p:nvPr/>
+        </p:nvSpPr>
+        <p:spPr>
+          <a:xfrm rot="9176627">
+            <a:off x="3758796" y="3375701"/>
+            <a:ext cx="1557473" cy="484632"/>
+          </a:xfrm>
+          <a:prstGeom prst="rightArrow">
+            <a:avLst/>
+          </a:prstGeom>
+          <a:solidFill>
+            <a:schemeClr val="accent1">
+              <a:alpha val="50000"/>
+            </a:schemeClr>
+          </a:solidFill>
+          <a:ln w="12700">
+            <a:solidFill>
+              <a:schemeClr val="tx1"/>
+            </a:solidFill>
+          </a:ln>
+        </p:spPr>
+        <p:style>
+          <a:lnRef idx="2">
+            <a:schemeClr val="accent1">
+              <a:shade val="50000"/>
+            </a:schemeClr>
+          </a:lnRef>
+          <a:fillRef idx="1">
+            <a:schemeClr val="accent1"/>
+          </a:fillRef>
+          <a:effectRef idx="0">
+            <a:schemeClr val="accent1"/>
+          </a:effectRef>
+          <a:fontRef idx="minor">
+            <a:schemeClr val="lt1"/>
+          </a:fontRef>
+        </p:style>
+        <p:txBody>
+          <a:bodyPr rtlCol="0" anchor="ctr"/>
+          <a:lstStyle/>
+          <a:p>
+            <a:pPr algn="ctr"/>
+            <a:endParaRPr lang="en-US" dirty="0">
+              <a:solidFill>
+                <a:schemeClr val="accent1"/>
+              </a:solidFill>
+            </a:endParaRPr>
+          </a:p>
+        </p:txBody>
+      </p:sp>
+      <p:sp>
+        <p:nvSpPr>
+          <p:cNvPr id="6" name="Right Arrow 5"/>
+          <p:cNvSpPr/>
+          <p:nvPr/>
+        </p:nvSpPr>
+        <p:spPr>
+          <a:xfrm rot="14342092">
+            <a:off x="1872387" y="3546942"/>
+            <a:ext cx="2064768" cy="484632"/>
+          </a:xfrm>
+          <a:prstGeom prst="rightArrow">
+            <a:avLst/>
+          </a:prstGeom>
+          <a:solidFill>
+            <a:srgbClr val="FF0000">
+              <a:alpha val="50000"/>
+            </a:srgbClr>
+          </a:solidFill>
+          <a:ln w="12700">
+            <a:solidFill>
+              <a:schemeClr val="tx1"/>
+            </a:solidFill>
+          </a:ln>
+        </p:spPr>
+        <p:style>
+          <a:lnRef idx="2">
+            <a:schemeClr val="accent1">
+              <a:shade val="50000"/>
+            </a:schemeClr>
+          </a:lnRef>
+          <a:fillRef idx="1">
+            <a:schemeClr val="accent1"/>
+          </a:fillRef>
+          <a:effectRef idx="0">
+            <a:schemeClr val="accent1"/>
+          </a:effectRef>
+          <a:fontRef idx="minor">
+            <a:schemeClr val="lt1"/>
+          </a:fontRef>
+        </p:style>
+        <p:txBody>
+          <a:bodyPr rtlCol="0" anchor="ctr"/>
+          <a:lstStyle/>
+          <a:p>
+            <a:pPr algn="ctr"/>
+            <a:endParaRPr lang="en-US" dirty="0">
+              <a:solidFill>
+                <a:schemeClr val="tx1"/>
+              </a:solidFill>
+            </a:endParaRPr>
+          </a:p>
+        </p:txBody>
+      </p:sp>
+      <p:sp>
+        <p:nvSpPr>
+          <p:cNvPr id="8" name="Rectangle 7"/>
+          <p:cNvSpPr/>
+          <p:nvPr/>
+        </p:nvSpPr>
+        <p:spPr>
+          <a:xfrm>
+            <a:off x="4574221" y="5257800"/>
+            <a:ext cx="3505200" cy="914400"/>
+          </a:xfrm>
+          <a:prstGeom prst="rect">
+            <a:avLst/>
+          </a:prstGeom>
+          <a:ln/>
+        </p:spPr>
+        <p:style>
+          <a:lnRef idx="1">
+            <a:schemeClr val="accent1"/>
+          </a:lnRef>
+          <a:fillRef idx="2">
+            <a:schemeClr val="accent1"/>
+          </a:fillRef>
+          <a:effectRef idx="1">
+            <a:schemeClr val="accent1"/>
+          </a:effectRef>
+          <a:fontRef idx="minor">
+            <a:schemeClr val="dk1"/>
+          </a:fontRef>
+        </p:style>
+        <p:txBody>
+          <a:bodyPr rtlCol="0" anchor="ctr"/>
+          <a:lstStyle/>
+          <a:p>
+            <a:pPr algn="ctr"/>
+            <a:r>
+              <a:rPr lang="en-US" sz="2400" dirty="0">
+                <a:solidFill>
+                  <a:schemeClr val="tx1"/>
+                </a:solidFill>
+              </a:rPr>
+              <a:t>Two </a:t>
+            </a:r>
+            <a:r>
+              <a:rPr lang="en-US" sz="2400" i="1" dirty="0">
+                <a:solidFill>
+                  <a:srgbClr val="FF0000"/>
+                </a:solidFill>
+              </a:rPr>
+              <a:t>mutually recursive </a:t>
+            </a:r>
+            <a:r>
+              <a:rPr lang="en-US" sz="2400" dirty="0">
+                <a:solidFill>
+                  <a:schemeClr val="tx1"/>
+                </a:solidFill>
+              </a:rPr>
+              <a:t>data definitions</a:t>
+            </a:r>
+          </a:p>
+        </p:txBody>
+      </p:sp>
+    </p:spTree>
+    <p:extLst>
+      <p:ext uri="{BB962C8B-B14F-4D97-AF65-F5344CB8AC3E}">
+        <p14:creationId xmlns:p14="http://schemas.microsoft.com/office/powerpoint/2010/main" val="3868078701"/>
+      </p:ext>
+    </p:extLst>
+  </p:cSld>
+  <p:clrMapOvr>
+    <a:masterClrMapping/>
+  </p:clrMapOvr>
+  <p:timing>
+    <p:tnLst>
+      <p:par>
+        <p:cTn id="1" dur="indefinite" restart="never" nodeType="tmRoot">
+          <p:childTnLst>
+            <p:seq concurrent="1" nextAc="seek">
+              <p:cTn id="2" dur="indefinite" nodeType="mainSeq">
+                <p:childTnLst>
                   <p:par>
-                    <p:cTn id="7" fill="hold">
+                    <p:cTn id="3" fill="hold">
                       <p:stCondLst>
                         <p:cond delay="indefinite"/>
                       </p:stCondLst>
                       <p:childTnLst>
                         <p:par>
-                          <p:cTn id="8" fill="hold">
+                          <p:cTn id="4" fill="hold">
                             <p:stCondLst>
                               <p:cond delay="0"/>
                             </p:stCondLst>
                             <p:childTnLst>
                               <p:par>
-                                <p:cTn id="9" presetID="1" presetClass="entr" presetSubtype="0" fill="hold" grpId="0" nodeType="clickEffect">
+                                <p:cTn id="5" presetID="10" presetClass="entr" presetSubtype="0" fill="hold" grpId="0" nodeType="clickEffect">
                                   <p:stCondLst>
                                     <p:cond delay="0"/>
                                   </p:stCondLst>
                                   <p:childTnLst>
                                     <p:set>
                                       <p:cBhvr>
-                                        <p:cTn id="10" dur="1" fill="hold">
+                                        <p:cTn id="6" dur="1" fill="hold">
                                           <p:stCondLst>
                                             <p:cond delay="0"/>
                                           </p:stCondLst>
                                         </p:cTn>
                                         <p:tgtEl>
-                                          <p:spTgt spid="18"/>
+                                          <p:spTgt spid="4"/>
                                         </p:tgtEl>
                                         <p:attrNameLst>
                                           <p:attrName>style.visibility</p:attrName>
@@ -6905,6 +7486,167 @@
                                         <p:strVal val="visible"/>
                                       </p:to>
                                     </p:set>
+                                    <p:animEffect transition="in" filter="fade">
+                                      <p:cBhvr>
+                                        <p:cTn id="7" dur="2000"/>
+                                        <p:tgtEl>
+                                          <p:spTgt spid="4"/>
+                                        </p:tgtEl>
+                                      </p:cBhvr>
+                                    </p:animEffect>
+                                  </p:childTnLst>
+                                </p:cTn>
+                              </p:par>
+                            </p:childTnLst>
+                          </p:cTn>
+                        </p:par>
+                      </p:childTnLst>
+                    </p:cTn>
+                  </p:par>
+                  <p:par>
+                    <p:cTn id="8" fill="hold">
+                      <p:stCondLst>
+                        <p:cond delay="indefinite"/>
+                      </p:stCondLst>
+                      <p:childTnLst>
+                        <p:par>
+                          <p:cTn id="9" fill="hold">
+                            <p:stCondLst>
+                              <p:cond delay="0"/>
+                            </p:stCondLst>
+                            <p:childTnLst>
+                              <p:par>
+                                <p:cTn id="10" presetID="10" presetClass="entr" presetSubtype="0" fill="hold" grpId="0" nodeType="clickEffect">
+                                  <p:stCondLst>
+                                    <p:cond delay="0"/>
+                                  </p:stCondLst>
+                                  <p:childTnLst>
+                                    <p:set>
+                                      <p:cBhvr>
+                                        <p:cTn id="11" dur="1" fill="hold">
+                                          <p:stCondLst>
+                                            <p:cond delay="0"/>
+                                          </p:stCondLst>
+                                        </p:cTn>
+                                        <p:tgtEl>
+                                          <p:spTgt spid="6"/>
+                                        </p:tgtEl>
+                                        <p:attrNameLst>
+                                          <p:attrName>style.visibility</p:attrName>
+                                        </p:attrNameLst>
+                                      </p:cBhvr>
+                                      <p:to>
+                                        <p:strVal val="visible"/>
+                                      </p:to>
+                                    </p:set>
+                                    <p:animEffect transition="in" filter="fade">
+                                      <p:cBhvr>
+                                        <p:cTn id="12" dur="2000"/>
+                                        <p:tgtEl>
+                                          <p:spTgt spid="6"/>
+                                        </p:tgtEl>
+                                      </p:cBhvr>
+                                    </p:animEffect>
+                                  </p:childTnLst>
+                                </p:cTn>
+                              </p:par>
+                            </p:childTnLst>
+                          </p:cTn>
+                        </p:par>
+                      </p:childTnLst>
+                    </p:cTn>
+                  </p:par>
+                  <p:par>
+                    <p:cTn id="13" fill="hold">
+                      <p:stCondLst>
+                        <p:cond delay="indefinite"/>
+                      </p:stCondLst>
+                      <p:childTnLst>
+                        <p:par>
+                          <p:cTn id="14" fill="hold">
+                            <p:stCondLst>
+                              <p:cond delay="0"/>
+                            </p:stCondLst>
+                            <p:childTnLst>
+                              <p:par>
+                                <p:cTn id="15" presetID="10" presetClass="entr" presetSubtype="0" fill="hold" grpId="0" nodeType="clickEffect">
+                                  <p:stCondLst>
+                                    <p:cond delay="0"/>
+                                  </p:stCondLst>
+                                  <p:childTnLst>
+                                    <p:set>
+                                      <p:cBhvr>
+                                        <p:cTn id="16" dur="1" fill="hold">
+                                          <p:stCondLst>
+                                            <p:cond delay="0"/>
+                                          </p:stCondLst>
+                                        </p:cTn>
+                                        <p:tgtEl>
+                                          <p:spTgt spid="8">
+                                            <p:bg/>
+                                          </p:spTgt>
+                                        </p:tgtEl>
+                                        <p:attrNameLst>
+                                          <p:attrName>style.visibility</p:attrName>
+                                        </p:attrNameLst>
+                                      </p:cBhvr>
+                                      <p:to>
+                                        <p:strVal val="visible"/>
+                                      </p:to>
+                                    </p:set>
+                                    <p:animEffect transition="in" filter="fade">
+                                      <p:cBhvr>
+                                        <p:cTn id="17" dur="2000"/>
+                                        <p:tgtEl>
+                                          <p:spTgt spid="8">
+                                            <p:bg/>
+                                          </p:spTgt>
+                                        </p:tgtEl>
+                                      </p:cBhvr>
+                                    </p:animEffect>
+                                  </p:childTnLst>
+                                </p:cTn>
+                              </p:par>
+                              <p:par>
+                                <p:cTn id="18" presetID="10" presetClass="entr" presetSubtype="0" fill="hold" grpId="0" nodeType="withEffect">
+                                  <p:stCondLst>
+                                    <p:cond delay="0"/>
+                                  </p:stCondLst>
+                                  <p:childTnLst>
+                                    <p:set>
+                                      <p:cBhvr>
+                                        <p:cTn id="19" dur="1" fill="hold">
+                                          <p:stCondLst>
+                                            <p:cond delay="0"/>
+                                          </p:stCondLst>
+                                        </p:cTn>
+                                        <p:tgtEl>
+                                          <p:spTgt spid="8">
+                                            <p:txEl>
+                                              <p:pRg st="0" end="0"/>
+                                            </p:txEl>
+                                          </p:spTgt>
+                                        </p:tgtEl>
+                                        <p:attrNameLst>
+                                          <p:attrName>style.visibility</p:attrName>
+                                        </p:attrNameLst>
+                                      </p:cBhvr>
+                                      <p:to>
+                                        <p:strVal val="visible"/>
+                                      </p:to>
+                                    </p:set>
+                                    <p:animEffect transition="in" filter="fade">
+                                      <p:cBhvr>
+                                        <p:cTn id="20" dur="2000"/>
+                                        <p:tgtEl>
+                                          <p:spTgt spid="8">
+                                            <p:txEl>
+                                              <p:pRg st="0" end="0"/>
+                                            </p:txEl>
+                                          </p:spTgt>
+                                        </p:tgtEl>
+                                      </p:cBhvr>
+                                    </p:animEffect>
                                   </p:childTnLst>
                                 </p:cTn>
                               </p:par>
@@ -6936,14 +7678,15 @@
       </p:par>
     </p:tnLst>
     <p:bldLst>
-      <p:bldP spid="18" grpId="0" animBg="1"/>
-      <p:bldP spid="8" grpId="0" animBg="1"/>
+      <p:bldP spid="4" grpId="0" animBg="1"/>
+      <p:bldP spid="6" grpId="0" animBg="1"/>
+      <p:bldP spid="8" grpId="0" uiExpand="1" build="allAtOnce" animBg="1"/>
     </p:bldLst>
   </p:timing>
 </p:sld>
 </file>
 
-<file path=ppt/slides/slide14.xml><?xml version="1.0" encoding="utf-8"?>
+<file path=ppt/slides/slide16.xml><?xml version="1.0" encoding="utf-8"?>
 <p:sld xmlns:a="http://schemas.openxmlformats.org/drawingml/2006/main" xmlns:r="http://schemas.openxmlformats.org/officeDocument/2006/relationships" xmlns:p="http://schemas.openxmlformats.org/presentationml/2006/main">
   <p:cSld>
     <p:spTree>
@@ -6979,7 +7722,7 @@
           <a:p>
             <a:r>
               <a:rPr lang="en-US" dirty="0"/>
-              <a:t>Refined Definition of a Halting Measure</a:t>
+              <a:t>What's a good way to measure the size of one of these?</a:t>
             </a:r>
           </a:p>
         </p:txBody>
@@ -6996,50 +7739,39 @@
         </p:nvSpPr>
         <p:spPr/>
         <p:txBody>
-          <a:bodyPr>
-            <a:normAutofit lnSpcReduction="10000"/>
-          </a:bodyPr>
-          <a:lstStyle/>
-          <a:p>
+          <a:bodyPr/>
+          <a:lstStyle/>
+          <a:p>
+            <a:r>
+              <a:rPr lang="en-US" dirty="0" err="1"/>
+              <a:t>Ans</a:t>
+            </a:r>
             <a:r>
               <a:rPr lang="en-US" dirty="0"/>
-              <a:t>Definition: a </a:t>
-            </a:r>
-            <a:r>
-              <a:rPr lang="en-US" i="1" dirty="0"/>
-              <a:t>halting measure </a:t>
+              <a:t>: number of nodes in the tree, where a node is either a </a:t>
+            </a:r>
+            <a:r>
+              <a:rPr lang="en-US" b="1" dirty="0"/>
+              <a:t>make-person</a:t>
             </a:r>
             <a:r>
               <a:rPr lang="en-US" dirty="0"/>
-              <a:t>for a particular function is an integer-valued quantity that can't be less than zero, and which </a:t>
-            </a:r>
-            <a:r>
-              <a:rPr lang="en-US" i="1" dirty="0">
-                <a:solidFill>
-                  <a:srgbClr val="FF0000"/>
-                </a:solidFill>
-              </a:rPr>
-              <a:t>decreases around every cycle in the call graph.</a:t>
-            </a:r>
-          </a:p>
-          <a:p>
+              <a:t> or a </a:t>
+            </a:r>
+            <a:r>
+              <a:rPr lang="en-US" b="1" dirty="0"/>
+              <a:t>cons</a:t>
+            </a:r>
             <a:r>
               <a:rPr lang="en-US" dirty="0"/>
-              <a:t>In general, you can't just look at a single function– you have to trace the call graph.</a:t>
+              <a:t>.</a:t>
             </a:r>
           </a:p>
           <a:p>
             <a:r>
               <a:rPr lang="en-US" dirty="0"/>
-              <a:t>For functions that follow the template, the size of the argument is almost always a  halting measure.</a:t>
-            </a:r>
-          </a:p>
-          <a:p>
-            <a:endParaRPr lang="en-US" dirty="0">
-              <a:solidFill>
-                <a:srgbClr val="FF0000"/>
-              </a:solidFill>
-            </a:endParaRPr>
+              <a:t>This is the standard way of measuring the size of a structure.</a:t>
+            </a:r>
           </a:p>
         </p:txBody>
       </p:sp>
@@ -7058,10 +7790,9 @@
           <a:bodyPr/>
           <a:lstStyle/>
           <a:p>
-            <a:fld id="{9F4492BD-6A9C-48FC-AC76-0B4FE11194A1}" type="slidenum">
+            <a:fld id="{2AF3B5EA-18B6-4040-9F78-6052AF49C681}" type="slidenum">
               <a:rPr lang="en-US" smtClean="0"/>
-              <a:pPr/>
-              <a:t>14</a:t>
+              <a:t>16</a:t>
             </a:fld>
             <a:endParaRPr lang="en-US"/>
           </a:p>
@@ -7070,7 +7801,7 @@
     </p:spTree>
     <p:extLst>
       <p:ext uri="{BB962C8B-B14F-4D97-AF65-F5344CB8AC3E}">
-        <p14:creationId xmlns:p14="http://schemas.microsoft.com/office/powerpoint/2010/main" val="204011719"/>
+        <p14:creationId xmlns:p14="http://schemas.microsoft.com/office/powerpoint/2010/main" val="260814252"/>
       </p:ext>
     </p:extLst>
   </p:cSld>
@@ -7080,7 +7811,7 @@
 </p:sld>
 </file>
 
-<file path=ppt/slides/slide15.xml><?xml version="1.0" encoding="utf-8"?>
+<file path=ppt/slides/slide17.xml><?xml version="1.0" encoding="utf-8"?>
 <p:sld xmlns:a="http://schemas.openxmlformats.org/drawingml/2006/main" xmlns:r="http://schemas.openxmlformats.org/officeDocument/2006/relationships" xmlns:p="http://schemas.openxmlformats.org/presentationml/2006/main">
   <p:cSld>
     <p:spTree>
@@ -7107,16 +7838,21 @@
             <p:ph type="title"/>
           </p:nvPr>
         </p:nvSpPr>
-        <p:spPr/>
+        <p:spPr>
+          <a:xfrm>
+            <a:off x="457200" y="259270"/>
+            <a:ext cx="8229600" cy="1143000"/>
+          </a:xfrm>
+        </p:spPr>
         <p:txBody>
           <a:bodyPr>
-            <a:normAutofit/>
+            <a:normAutofit fontScale="90000"/>
           </a:bodyPr>
           <a:lstStyle/>
           <a:p>
             <a:r>
               <a:rPr lang="en-US" dirty="0"/>
-              <a:t>A more subtle example</a:t>
+              <a:t>Example of a pair of functions on this data definition</a:t>
             </a:r>
           </a:p>
         </p:txBody>
@@ -7359,7 +8095,7 @@
           <a:p>
             <a:fld id="{C1D4534E-1B22-4A44-850A-B3E8E9EE687A}" type="slidenum">
               <a:rPr lang="en-US" smtClean="0"/>
-              <a:t>15</a:t>
+              <a:t>17</a:t>
             </a:fld>
             <a:endParaRPr lang="en-US"/>
           </a:p>
@@ -7666,204 +8402,6 @@
 </p:sld>
 </file>
 
-<file path=ppt/slides/slide16.xml><?xml version="1.0" encoding="utf-8"?>
-<p:sld xmlns:a="http://schemas.openxmlformats.org/drawingml/2006/main" xmlns:r="http://schemas.openxmlformats.org/officeDocument/2006/relationships" xmlns:p="http://schemas.openxmlformats.org/presentationml/2006/main">
-  <p:cSld>
-    <p:spTree>
-      <p:nvGrpSpPr>
-        <p:cNvPr id="1" name=""/>
-        <p:cNvGrpSpPr/>
-        <p:nvPr/>
-      </p:nvGrpSpPr>
-      <p:grpSpPr>
-        <a:xfrm>
-          <a:off x="0" y="0"/>
-          <a:ext cx="0" cy="0"/>
-          <a:chOff x="0" y="0"/>
-          <a:chExt cx="0" cy="0"/>
-        </a:xfrm>
-      </p:grpSpPr>
-      <p:sp>
-        <p:nvSpPr>
-          <p:cNvPr id="2" name="Title 1"/>
-          <p:cNvSpPr>
-            <a:spLocks noGrp="1"/>
-          </p:cNvSpPr>
-          <p:nvPr>
-            <p:ph type="title"/>
-          </p:nvPr>
-        </p:nvSpPr>
-        <p:spPr/>
-        <p:txBody>
-          <a:bodyPr/>
-          <a:lstStyle/>
-          <a:p>
-            <a:r>
-              <a:rPr lang="en-US"/>
-              <a:t>Call graph....</a:t>
-            </a:r>
-            <a:endParaRPr lang="en-US"/>
-          </a:p>
-        </p:txBody>
-      </p:sp>
-      <p:sp>
-        <p:nvSpPr>
-          <p:cNvPr id="3" name="Content Placeholder 2"/>
-          <p:cNvSpPr>
-            <a:spLocks noGrp="1"/>
-          </p:cNvSpPr>
-          <p:nvPr>
-            <p:ph idx="1"/>
-          </p:nvPr>
-        </p:nvSpPr>
-        <p:spPr/>
-        <p:txBody>
-          <a:bodyPr/>
-          <a:lstStyle/>
-          <a:p>
-            <a:endParaRPr lang="en-US"/>
-          </a:p>
-        </p:txBody>
-      </p:sp>
-      <p:sp>
-        <p:nvSpPr>
-          <p:cNvPr id="4" name="Slide Number Placeholder 3"/>
-          <p:cNvSpPr>
-            <a:spLocks noGrp="1"/>
-          </p:cNvSpPr>
-          <p:nvPr>
-            <p:ph type="sldNum" sz="quarter" idx="12"/>
-          </p:nvPr>
-        </p:nvSpPr>
-        <p:spPr/>
-        <p:txBody>
-          <a:bodyPr/>
-          <a:lstStyle/>
-          <a:p>
-            <a:fld id="{2AF3B5EA-18B6-4040-9F78-6052AF49C681}" type="slidenum">
-              <a:rPr lang="en-US" smtClean="0"/>
-              <a:t>16</a:t>
-            </a:fld>
-            <a:endParaRPr lang="en-US"/>
-          </a:p>
-        </p:txBody>
-      </p:sp>
-    </p:spTree>
-    <p:extLst>
-      <p:ext uri="{BB962C8B-B14F-4D97-AF65-F5344CB8AC3E}">
-        <p14:creationId xmlns:p14="http://schemas.microsoft.com/office/powerpoint/2010/main" val="2038685473"/>
-      </p:ext>
-    </p:extLst>
-  </p:cSld>
-  <p:clrMapOvr>
-    <a:masterClrMapping/>
-  </p:clrMapOvr>
-</p:sld>
-</file>
-
-<file path=ppt/slides/slide17.xml><?xml version="1.0" encoding="utf-8"?>
-<p:sld xmlns:a="http://schemas.openxmlformats.org/drawingml/2006/main" xmlns:r="http://schemas.openxmlformats.org/officeDocument/2006/relationships" xmlns:p="http://schemas.openxmlformats.org/presentationml/2006/main">
-  <p:cSld>
-    <p:spTree>
-      <p:nvGrpSpPr>
-        <p:cNvPr id="1" name=""/>
-        <p:cNvGrpSpPr/>
-        <p:nvPr/>
-      </p:nvGrpSpPr>
-      <p:grpSpPr>
-        <a:xfrm>
-          <a:off x="0" y="0"/>
-          <a:ext cx="0" cy="0"/>
-          <a:chOff x="0" y="0"/>
-          <a:chExt cx="0" cy="0"/>
-        </a:xfrm>
-      </p:grpSpPr>
-      <p:sp>
-        <p:nvSpPr>
-          <p:cNvPr id="2" name="Title 1"/>
-          <p:cNvSpPr>
-            <a:spLocks noGrp="1"/>
-          </p:cNvSpPr>
-          <p:nvPr>
-            <p:ph type="title"/>
-          </p:nvPr>
-        </p:nvSpPr>
-        <p:spPr/>
-        <p:txBody>
-          <a:bodyPr/>
-          <a:lstStyle/>
-          <a:p>
-            <a:r>
-              <a:rPr lang="en-US" dirty="0"/>
-              <a:t>Summary</a:t>
-            </a:r>
-          </a:p>
-        </p:txBody>
-      </p:sp>
-      <p:sp>
-        <p:nvSpPr>
-          <p:cNvPr id="3" name="Content Placeholder 2"/>
-          <p:cNvSpPr>
-            <a:spLocks noGrp="1"/>
-          </p:cNvSpPr>
-          <p:nvPr>
-            <p:ph idx="1"/>
-          </p:nvPr>
-        </p:nvSpPr>
-        <p:spPr/>
-        <p:txBody>
-          <a:bodyPr>
-            <a:normAutofit/>
-          </a:bodyPr>
-          <a:lstStyle/>
-          <a:p>
-            <a:r>
-              <a:rPr lang="en-US" dirty="0"/>
-              <a:t>You should now be able to:</a:t>
-            </a:r>
-          </a:p>
-          <a:p>
-            <a:pPr lvl="1"/>
-            <a:endParaRPr lang="en-US" dirty="0"/>
-          </a:p>
-        </p:txBody>
-      </p:sp>
-      <p:sp>
-        <p:nvSpPr>
-          <p:cNvPr id="4" name="Slide Number Placeholder 3"/>
-          <p:cNvSpPr>
-            <a:spLocks noGrp="1"/>
-          </p:cNvSpPr>
-          <p:nvPr>
-            <p:ph type="sldNum" sz="quarter" idx="12"/>
-          </p:nvPr>
-        </p:nvSpPr>
-        <p:spPr/>
-        <p:txBody>
-          <a:bodyPr/>
-          <a:lstStyle/>
-          <a:p>
-            <a:fld id="{C1D4534E-1B22-4A44-850A-B3E8E9EE687A}" type="slidenum">
-              <a:rPr lang="en-US" smtClean="0"/>
-              <a:t>17</a:t>
-            </a:fld>
-            <a:endParaRPr lang="en-US"/>
-          </a:p>
-        </p:txBody>
-      </p:sp>
-    </p:spTree>
-    <p:extLst>
-      <p:ext uri="{BB962C8B-B14F-4D97-AF65-F5344CB8AC3E}">
-        <p14:creationId xmlns:p14="http://schemas.microsoft.com/office/powerpoint/2010/main" val="2281643218"/>
-      </p:ext>
-    </p:extLst>
-  </p:cSld>
-  <p:clrMapOvr>
-    <a:masterClrMapping/>
-  </p:clrMapOvr>
-</p:sld>
-</file>
-
 <file path=ppt/slides/slide18.xml><?xml version="1.0" encoding="utf-8"?>
 <p:sld xmlns:a="http://schemas.openxmlformats.org/drawingml/2006/main" xmlns:r="http://schemas.openxmlformats.org/officeDocument/2006/relationships" xmlns:p="http://schemas.openxmlformats.org/presentationml/2006/main">
   <p:cSld>
@@ -7893,79 +8431,34 @@
         </p:nvSpPr>
         <p:spPr/>
         <p:txBody>
+          <a:bodyPr>
+            <a:normAutofit fontScale="90000"/>
+          </a:bodyPr>
+          <a:lstStyle/>
+          <a:p>
+            <a:r>
+              <a:rPr lang="en-US" dirty="0"/>
+              <a:t>The call graph for this pair of functions</a:t>
+            </a:r>
+          </a:p>
+        </p:txBody>
+      </p:sp>
+      <p:sp>
+        <p:nvSpPr>
+          <p:cNvPr id="4" name="Slide Number Placeholder 3"/>
+          <p:cNvSpPr>
+            <a:spLocks noGrp="1"/>
+          </p:cNvSpPr>
+          <p:nvPr>
+            <p:ph type="sldNum" sz="quarter" idx="12"/>
+          </p:nvPr>
+        </p:nvSpPr>
+        <p:spPr/>
+        <p:txBody>
           <a:bodyPr/>
           <a:lstStyle/>
           <a:p>
-            <a:r>
-              <a:rPr lang="en-US" dirty="0"/>
-              <a:t>Next Steps</a:t>
-            </a:r>
-          </a:p>
-        </p:txBody>
-      </p:sp>
-      <p:sp>
-        <p:nvSpPr>
-          <p:cNvPr id="3" name="Content Placeholder 2"/>
-          <p:cNvSpPr>
-            <a:spLocks noGrp="1"/>
-          </p:cNvSpPr>
-          <p:nvPr>
-            <p:ph idx="1"/>
-          </p:nvPr>
-        </p:nvSpPr>
-        <p:spPr/>
-        <p:txBody>
-          <a:bodyPr/>
-          <a:lstStyle/>
-          <a:p>
-            <a:r>
-              <a:rPr lang="en-US" dirty="0"/>
-              <a:t>Study the files 06-5-sos-derivation.rkt and 06-6-sos-and-loss.rkt in the Examples folder</a:t>
-            </a:r>
-          </a:p>
-          <a:p>
-            <a:r>
-              <a:rPr lang="en-US" dirty="0"/>
-              <a:t>If you have questions about this lesson, ask them on the Discussion Board</a:t>
-            </a:r>
-          </a:p>
-          <a:p>
-            <a:r>
-              <a:rPr lang="en-US" dirty="0"/>
-              <a:t>Do </a:t>
-            </a:r>
-            <a:r>
-              <a:rPr lang="en-US" dirty="0">
-                <a:hlinkClick r:id="rId2" action="ppaction://hlinkfile"/>
-              </a:rPr>
-              <a:t>Guided Practice 6.5</a:t>
-            </a:r>
-            <a:endParaRPr lang="en-US" dirty="0"/>
-          </a:p>
-          <a:p>
-            <a:r>
-              <a:rPr lang="en-US" dirty="0"/>
-              <a:t>Go on to the next lesson</a:t>
-            </a:r>
-          </a:p>
-        </p:txBody>
-      </p:sp>
-      <p:sp>
-        <p:nvSpPr>
-          <p:cNvPr id="4" name="Slide Number Placeholder 3"/>
-          <p:cNvSpPr>
-            <a:spLocks noGrp="1"/>
-          </p:cNvSpPr>
-          <p:nvPr>
-            <p:ph type="sldNum" sz="quarter" idx="12"/>
-          </p:nvPr>
-        </p:nvSpPr>
-        <p:spPr/>
-        <p:txBody>
-          <a:bodyPr/>
-          <a:lstStyle/>
-          <a:p>
-            <a:fld id="{C1D4534E-1B22-4A44-850A-B3E8E9EE687A}" type="slidenum">
+            <a:fld id="{2AF3B5EA-18B6-4040-9F78-6052AF49C681}" type="slidenum">
               <a:rPr lang="en-US" smtClean="0"/>
               <a:t>18</a:t>
             </a:fld>
@@ -7973,10 +8466,870 @@
           </a:p>
         </p:txBody>
       </p:sp>
+      <p:grpSp>
+        <p:nvGrpSpPr>
+          <p:cNvPr id="5" name="Group 4"/>
+          <p:cNvGrpSpPr/>
+          <p:nvPr/>
+        </p:nvGrpSpPr>
+        <p:grpSpPr>
+          <a:xfrm>
+            <a:off x="1866898" y="2271237"/>
+            <a:ext cx="5410200" cy="2199738"/>
+            <a:chOff x="1866898" y="2271237"/>
+            <a:chExt cx="5410200" cy="2199738"/>
+          </a:xfrm>
+        </p:grpSpPr>
+        <p:sp>
+          <p:nvSpPr>
+            <p:cNvPr id="6" name="Rectangle 5"/>
+            <p:cNvSpPr/>
+            <p:nvPr/>
+          </p:nvSpPr>
+          <p:spPr>
+            <a:xfrm>
+              <a:off x="1866898" y="2271237"/>
+              <a:ext cx="5410200" cy="584775"/>
+            </a:xfrm>
+            <a:prstGeom prst="rect">
+              <a:avLst/>
+            </a:prstGeom>
+          </p:spPr>
+          <p:txBody>
+            <a:bodyPr wrap="square">
+              <a:spAutoFit/>
+            </a:bodyPr>
+            <a:lstStyle/>
+            <a:p>
+              <a:pPr algn="ctr"/>
+              <a:r>
+                <a:rPr lang="en-US" sz="3200" b="1" dirty="0">
+                  <a:latin typeface="Consolas" pitchFamily="49" charset="0"/>
+                  <a:cs typeface="Consolas" pitchFamily="49" charset="0"/>
+                </a:rPr>
+                <a:t>person-descendants</a:t>
+              </a:r>
+              <a:endParaRPr lang="en-US" sz="3200" dirty="0"/>
+            </a:p>
+          </p:txBody>
+        </p:sp>
+        <p:sp>
+          <p:nvSpPr>
+            <p:cNvPr id="7" name="Rectangle 6"/>
+            <p:cNvSpPr/>
+            <p:nvPr/>
+          </p:nvSpPr>
+          <p:spPr>
+            <a:xfrm>
+              <a:off x="2285997" y="3886200"/>
+              <a:ext cx="4572002" cy="584775"/>
+            </a:xfrm>
+            <a:prstGeom prst="rect">
+              <a:avLst/>
+            </a:prstGeom>
+          </p:spPr>
+          <p:txBody>
+            <a:bodyPr wrap="square">
+              <a:spAutoFit/>
+            </a:bodyPr>
+            <a:lstStyle/>
+            <a:p>
+              <a:pPr algn="ctr"/>
+              <a:r>
+                <a:rPr lang="en-US" sz="3200" b="1" dirty="0">
+                  <a:latin typeface="Consolas" pitchFamily="49" charset="0"/>
+                  <a:cs typeface="Consolas" pitchFamily="49" charset="0"/>
+                </a:rPr>
+                <a:t>persons-descendants</a:t>
+              </a:r>
+              <a:endParaRPr lang="en-US" sz="3200" dirty="0"/>
+            </a:p>
+          </p:txBody>
+        </p:sp>
+        <p:cxnSp>
+          <p:nvCxnSpPr>
+            <p:cNvPr id="8" name="Straight Arrow Connector 7"/>
+            <p:cNvCxnSpPr>
+              <a:stCxn id="6" idx="2"/>
+              <a:endCxn id="7" idx="0"/>
+            </p:cNvCxnSpPr>
+            <p:nvPr/>
+          </p:nvCxnSpPr>
+          <p:spPr>
+            <a:xfrm>
+              <a:off x="4571998" y="2856012"/>
+              <a:ext cx="0" cy="1030188"/>
+            </a:xfrm>
+            <a:prstGeom prst="straightConnector1">
+              <a:avLst/>
+            </a:prstGeom>
+            <a:ln w="101600">
+              <a:tailEnd type="triangle"/>
+            </a:ln>
+          </p:spPr>
+          <p:style>
+            <a:lnRef idx="1">
+              <a:schemeClr val="accent1"/>
+            </a:lnRef>
+            <a:fillRef idx="0">
+              <a:schemeClr val="accent1"/>
+            </a:fillRef>
+            <a:effectRef idx="0">
+              <a:schemeClr val="accent1"/>
+            </a:effectRef>
+            <a:fontRef idx="minor">
+              <a:schemeClr val="tx1"/>
+            </a:fontRef>
+          </p:style>
+        </p:cxnSp>
+        <p:sp>
+          <p:nvSpPr>
+            <p:cNvPr id="10" name="Arc 9"/>
+            <p:cNvSpPr/>
+            <p:nvPr/>
+          </p:nvSpPr>
+          <p:spPr>
+            <a:xfrm rot="1375710">
+              <a:off x="4524274" y="2763576"/>
+              <a:ext cx="1187875" cy="1169462"/>
+            </a:xfrm>
+            <a:prstGeom prst="arc">
+              <a:avLst>
+                <a:gd name="adj1" fmla="val 16200000"/>
+                <a:gd name="adj2" fmla="val 2201203"/>
+              </a:avLst>
+            </a:prstGeom>
+            <a:ln w="101600">
+              <a:headEnd type="triangle"/>
+              <a:tailEnd type="none"/>
+            </a:ln>
+          </p:spPr>
+          <p:style>
+            <a:lnRef idx="1">
+              <a:schemeClr val="accent1"/>
+            </a:lnRef>
+            <a:fillRef idx="0">
+              <a:schemeClr val="accent1"/>
+            </a:fillRef>
+            <a:effectRef idx="0">
+              <a:schemeClr val="accent1"/>
+            </a:effectRef>
+            <a:fontRef idx="minor">
+              <a:schemeClr val="tx1"/>
+            </a:fontRef>
+          </p:style>
+          <p:txBody>
+            <a:bodyPr rtlCol="0" anchor="ctr"/>
+            <a:lstStyle/>
+            <a:p>
+              <a:pPr algn="ctr"/>
+              <a:endParaRPr lang="en-US"/>
+            </a:p>
+          </p:txBody>
+        </p:sp>
+      </p:grpSp>
+      <p:sp>
+        <p:nvSpPr>
+          <p:cNvPr id="19" name="TextBox 18"/>
+          <p:cNvSpPr txBox="1"/>
+          <p:nvPr/>
+        </p:nvSpPr>
+        <p:spPr>
+          <a:xfrm>
+            <a:off x="5843077" y="3163162"/>
+            <a:ext cx="922047" cy="369332"/>
+          </a:xfrm>
+          <a:prstGeom prst="rect">
+            <a:avLst/>
+          </a:prstGeom>
+          <a:noFill/>
+        </p:spPr>
+        <p:txBody>
+          <a:bodyPr wrap="none" rtlCol="0">
+            <a:spAutoFit/>
+          </a:bodyPr>
+          <a:lstStyle/>
+          <a:p>
+            <a:r>
+              <a:rPr lang="en-US" dirty="0"/>
+              <a:t>via </a:t>
+            </a:r>
+            <a:r>
+              <a:rPr lang="en-US" b="1" dirty="0"/>
+              <a:t>map</a:t>
+            </a:r>
+          </a:p>
+        </p:txBody>
+      </p:sp>
     </p:spTree>
     <p:extLst>
       <p:ext uri="{BB962C8B-B14F-4D97-AF65-F5344CB8AC3E}">
-        <p14:creationId xmlns:p14="http://schemas.microsoft.com/office/powerpoint/2010/main" val="3025411515"/>
+        <p14:creationId xmlns:p14="http://schemas.microsoft.com/office/powerpoint/2010/main" val="2973482414"/>
+      </p:ext>
+    </p:extLst>
+  </p:cSld>
+  <p:clrMapOvr>
+    <a:masterClrMapping/>
+  </p:clrMapOvr>
+</p:sld>
+</file>
+
+<file path=ppt/slides/slide19.xml><?xml version="1.0" encoding="utf-8"?>
+<p:sld xmlns:a="http://schemas.openxmlformats.org/drawingml/2006/main" xmlns:r="http://schemas.openxmlformats.org/officeDocument/2006/relationships" xmlns:p="http://schemas.openxmlformats.org/presentationml/2006/main">
+  <p:cSld>
+    <p:spTree>
+      <p:nvGrpSpPr>
+        <p:cNvPr id="1" name=""/>
+        <p:cNvGrpSpPr/>
+        <p:nvPr/>
+      </p:nvGrpSpPr>
+      <p:grpSpPr>
+        <a:xfrm>
+          <a:off x="0" y="0"/>
+          <a:ext cx="0" cy="0"/>
+          <a:chOff x="0" y="0"/>
+          <a:chExt cx="0" cy="0"/>
+        </a:xfrm>
+      </p:grpSpPr>
+      <p:sp>
+        <p:nvSpPr>
+          <p:cNvPr id="2" name="Title 1"/>
+          <p:cNvSpPr>
+            <a:spLocks noGrp="1"/>
+          </p:cNvSpPr>
+          <p:nvPr>
+            <p:ph type="title"/>
+          </p:nvPr>
+        </p:nvSpPr>
+        <p:spPr/>
+        <p:txBody>
+          <a:bodyPr>
+            <a:normAutofit fontScale="90000"/>
+          </a:bodyPr>
+          <a:lstStyle/>
+          <a:p>
+            <a:r>
+              <a:rPr lang="en-US" dirty="0"/>
+              <a:t>The halting measure decreases on both arrows</a:t>
+            </a:r>
+          </a:p>
+        </p:txBody>
+      </p:sp>
+      <p:sp>
+        <p:nvSpPr>
+          <p:cNvPr id="4" name="Slide Number Placeholder 3"/>
+          <p:cNvSpPr>
+            <a:spLocks noGrp="1"/>
+          </p:cNvSpPr>
+          <p:nvPr>
+            <p:ph type="sldNum" sz="quarter" idx="12"/>
+          </p:nvPr>
+        </p:nvSpPr>
+        <p:spPr/>
+        <p:txBody>
+          <a:bodyPr/>
+          <a:lstStyle/>
+          <a:p>
+            <a:fld id="{2AF3B5EA-18B6-4040-9F78-6052AF49C681}" type="slidenum">
+              <a:rPr lang="en-US" smtClean="0"/>
+              <a:t>19</a:t>
+            </a:fld>
+            <a:endParaRPr lang="en-US"/>
+          </a:p>
+        </p:txBody>
+      </p:sp>
+      <p:grpSp>
+        <p:nvGrpSpPr>
+          <p:cNvPr id="5" name="Group 4"/>
+          <p:cNvGrpSpPr/>
+          <p:nvPr/>
+        </p:nvGrpSpPr>
+        <p:grpSpPr>
+          <a:xfrm>
+            <a:off x="1866898" y="2271237"/>
+            <a:ext cx="5410200" cy="2199738"/>
+            <a:chOff x="1866898" y="2271237"/>
+            <a:chExt cx="5410200" cy="2199738"/>
+          </a:xfrm>
+        </p:grpSpPr>
+        <p:sp>
+          <p:nvSpPr>
+            <p:cNvPr id="6" name="Rectangle 5"/>
+            <p:cNvSpPr/>
+            <p:nvPr/>
+          </p:nvSpPr>
+          <p:spPr>
+            <a:xfrm>
+              <a:off x="1866898" y="2271237"/>
+              <a:ext cx="5410200" cy="584775"/>
+            </a:xfrm>
+            <a:prstGeom prst="rect">
+              <a:avLst/>
+            </a:prstGeom>
+          </p:spPr>
+          <p:txBody>
+            <a:bodyPr wrap="square">
+              <a:spAutoFit/>
+            </a:bodyPr>
+            <a:lstStyle/>
+            <a:p>
+              <a:pPr algn="ctr"/>
+              <a:r>
+                <a:rPr lang="en-US" sz="3200" b="1" dirty="0">
+                  <a:latin typeface="Consolas" pitchFamily="49" charset="0"/>
+                  <a:cs typeface="Consolas" pitchFamily="49" charset="0"/>
+                </a:rPr>
+                <a:t>person-descendants</a:t>
+              </a:r>
+              <a:endParaRPr lang="en-US" sz="3200" dirty="0"/>
+            </a:p>
+          </p:txBody>
+        </p:sp>
+        <p:sp>
+          <p:nvSpPr>
+            <p:cNvPr id="7" name="Rectangle 6"/>
+            <p:cNvSpPr/>
+            <p:nvPr/>
+          </p:nvSpPr>
+          <p:spPr>
+            <a:xfrm>
+              <a:off x="2285997" y="3886200"/>
+              <a:ext cx="4572002" cy="584775"/>
+            </a:xfrm>
+            <a:prstGeom prst="rect">
+              <a:avLst/>
+            </a:prstGeom>
+          </p:spPr>
+          <p:txBody>
+            <a:bodyPr wrap="square">
+              <a:spAutoFit/>
+            </a:bodyPr>
+            <a:lstStyle/>
+            <a:p>
+              <a:pPr algn="ctr"/>
+              <a:r>
+                <a:rPr lang="en-US" sz="3200" b="1" dirty="0">
+                  <a:latin typeface="Consolas" pitchFamily="49" charset="0"/>
+                  <a:cs typeface="Consolas" pitchFamily="49" charset="0"/>
+                </a:rPr>
+                <a:t>persons-descendants</a:t>
+              </a:r>
+              <a:endParaRPr lang="en-US" sz="3200" dirty="0"/>
+            </a:p>
+          </p:txBody>
+        </p:sp>
+        <p:cxnSp>
+          <p:nvCxnSpPr>
+            <p:cNvPr id="8" name="Straight Arrow Connector 7"/>
+            <p:cNvCxnSpPr>
+              <a:stCxn id="6" idx="2"/>
+              <a:endCxn id="7" idx="0"/>
+            </p:cNvCxnSpPr>
+            <p:nvPr/>
+          </p:nvCxnSpPr>
+          <p:spPr>
+            <a:xfrm>
+              <a:off x="4571998" y="2856012"/>
+              <a:ext cx="0" cy="1030188"/>
+            </a:xfrm>
+            <a:prstGeom prst="straightConnector1">
+              <a:avLst/>
+            </a:prstGeom>
+            <a:ln w="101600">
+              <a:tailEnd type="triangle"/>
+            </a:ln>
+          </p:spPr>
+          <p:style>
+            <a:lnRef idx="1">
+              <a:schemeClr val="accent1"/>
+            </a:lnRef>
+            <a:fillRef idx="0">
+              <a:schemeClr val="accent1"/>
+            </a:fillRef>
+            <a:effectRef idx="0">
+              <a:schemeClr val="accent1"/>
+            </a:effectRef>
+            <a:fontRef idx="minor">
+              <a:schemeClr val="tx1"/>
+            </a:fontRef>
+          </p:style>
+        </p:cxnSp>
+        <p:sp>
+          <p:nvSpPr>
+            <p:cNvPr id="10" name="Arc 9"/>
+            <p:cNvSpPr/>
+            <p:nvPr/>
+          </p:nvSpPr>
+          <p:spPr>
+            <a:xfrm rot="1375710">
+              <a:off x="4524274" y="2763576"/>
+              <a:ext cx="1187875" cy="1169462"/>
+            </a:xfrm>
+            <a:prstGeom prst="arc">
+              <a:avLst>
+                <a:gd name="adj1" fmla="val 16200000"/>
+                <a:gd name="adj2" fmla="val 2201203"/>
+              </a:avLst>
+            </a:prstGeom>
+            <a:ln w="101600">
+              <a:headEnd type="triangle"/>
+              <a:tailEnd type="none"/>
+            </a:ln>
+          </p:spPr>
+          <p:style>
+            <a:lnRef idx="1">
+              <a:schemeClr val="accent1"/>
+            </a:lnRef>
+            <a:fillRef idx="0">
+              <a:schemeClr val="accent1"/>
+            </a:fillRef>
+            <a:effectRef idx="0">
+              <a:schemeClr val="accent1"/>
+            </a:effectRef>
+            <a:fontRef idx="minor">
+              <a:schemeClr val="tx1"/>
+            </a:fontRef>
+          </p:style>
+          <p:txBody>
+            <a:bodyPr rtlCol="0" anchor="ctr"/>
+            <a:lstStyle/>
+            <a:p>
+              <a:pPr algn="ctr"/>
+              <a:endParaRPr lang="en-US"/>
+            </a:p>
+          </p:txBody>
+        </p:sp>
+      </p:grpSp>
+      <mc:AlternateContent xmlns:mc="http://schemas.openxmlformats.org/markup-compatibility/2006">
+        <mc:Choice xmlns:a14="http://schemas.microsoft.com/office/drawing/2010/main" Requires="a14">
+          <p:sp>
+            <p:nvSpPr>
+              <p:cNvPr id="20" name="TextBox 19"/>
+              <p:cNvSpPr txBox="1"/>
+              <p:nvPr/>
+            </p:nvSpPr>
+            <p:spPr>
+              <a:xfrm rot="5400000">
+                <a:off x="5709785" y="2993766"/>
+                <a:ext cx="736099" cy="769441"/>
+              </a:xfrm>
+              <a:prstGeom prst="rect">
+                <a:avLst/>
+              </a:prstGeom>
+              <a:noFill/>
+            </p:spPr>
+            <p:txBody>
+              <a:bodyPr wrap="none" rtlCol="0">
+                <a:spAutoFit/>
+              </a:bodyPr>
+              <a:lstStyle/>
+              <a:p>
+                <a:pPr/>
+                <a14:m>
+                  <m:oMathPara xmlns:m="http://schemas.openxmlformats.org/officeDocument/2006/math">
+                    <m:oMathParaPr>
+                      <m:jc m:val="centerGroup"/>
+                    </m:oMathParaPr>
+                    <m:oMath xmlns:m="http://schemas.openxmlformats.org/officeDocument/2006/math">
+                      <m:r>
+                        <a:rPr lang="en-US" sz="4400" i="1" dirty="0" smtClean="0">
+                          <a:latin typeface="Cambria Math" panose="02040503050406030204" pitchFamily="18" charset="0"/>
+                        </a:rPr>
+                        <m:t>&lt;</m:t>
+                      </m:r>
+                    </m:oMath>
+                  </m:oMathPara>
+                </a14:m>
+                <a:endParaRPr lang="en-US" sz="4400" dirty="0"/>
+              </a:p>
+            </p:txBody>
+          </p:sp>
+        </mc:Choice>
+        <mc:Fallback>
+          <p:sp>
+            <p:nvSpPr>
+              <p:cNvPr id="20" name="TextBox 19"/>
+              <p:cNvSpPr txBox="1">
+                <a:spLocks noRot="1" noChangeAspect="1" noMove="1" noResize="1" noEditPoints="1" noAdjustHandles="1" noChangeArrowheads="1" noChangeShapeType="1" noTextEdit="1"/>
+              </p:cNvSpPr>
+              <p:nvPr/>
+            </p:nvSpPr>
+            <p:spPr>
+              <a:xfrm rot="5400000">
+                <a:off x="5709785" y="2993766"/>
+                <a:ext cx="736099" cy="769441"/>
+              </a:xfrm>
+              <a:prstGeom prst="rect">
+                <a:avLst/>
+              </a:prstGeom>
+              <a:blipFill>
+                <a:blip r:embed="rId2"/>
+                <a:stretch>
+                  <a:fillRect/>
+                </a:stretch>
+              </a:blipFill>
+            </p:spPr>
+            <p:txBody>
+              <a:bodyPr/>
+              <a:lstStyle/>
+              <a:p>
+                <a:r>
+                  <a:rPr lang="en-US">
+                    <a:noFill/>
+                  </a:rPr>
+                  <a:t> </a:t>
+                </a:r>
+              </a:p>
+            </p:txBody>
+          </p:sp>
+        </mc:Fallback>
+      </mc:AlternateContent>
+      <mc:AlternateContent xmlns:mc="http://schemas.openxmlformats.org/markup-compatibility/2006">
+        <mc:Choice xmlns:a14="http://schemas.microsoft.com/office/drawing/2010/main" Requires="a14">
+          <p:sp>
+            <p:nvSpPr>
+              <p:cNvPr id="21" name="TextBox 20"/>
+              <p:cNvSpPr txBox="1"/>
+              <p:nvPr/>
+            </p:nvSpPr>
+            <p:spPr>
+              <a:xfrm rot="16200000">
+                <a:off x="3585793" y="2939265"/>
+                <a:ext cx="736099" cy="769441"/>
+              </a:xfrm>
+              <a:prstGeom prst="rect">
+                <a:avLst/>
+              </a:prstGeom>
+              <a:noFill/>
+            </p:spPr>
+            <p:txBody>
+              <a:bodyPr wrap="none" rtlCol="0">
+                <a:spAutoFit/>
+              </a:bodyPr>
+              <a:lstStyle/>
+              <a:p>
+                <a:pPr/>
+                <a14:m>
+                  <m:oMathPara xmlns:m="http://schemas.openxmlformats.org/officeDocument/2006/math">
+                    <m:oMathParaPr>
+                      <m:jc m:val="centerGroup"/>
+                    </m:oMathParaPr>
+                    <m:oMath xmlns:m="http://schemas.openxmlformats.org/officeDocument/2006/math">
+                      <m:r>
+                        <a:rPr lang="en-US" sz="4400" i="1" dirty="0" smtClean="0">
+                          <a:latin typeface="Cambria Math" panose="02040503050406030204" pitchFamily="18" charset="0"/>
+                        </a:rPr>
+                        <m:t>&lt;</m:t>
+                      </m:r>
+                    </m:oMath>
+                  </m:oMathPara>
+                </a14:m>
+                <a:endParaRPr lang="en-US" sz="4400" dirty="0"/>
+              </a:p>
+            </p:txBody>
+          </p:sp>
+        </mc:Choice>
+        <mc:Fallback>
+          <p:sp>
+            <p:nvSpPr>
+              <p:cNvPr id="21" name="TextBox 20"/>
+              <p:cNvSpPr txBox="1">
+                <a:spLocks noRot="1" noChangeAspect="1" noMove="1" noResize="1" noEditPoints="1" noAdjustHandles="1" noChangeArrowheads="1" noChangeShapeType="1" noTextEdit="1"/>
+              </p:cNvSpPr>
+              <p:nvPr/>
+            </p:nvSpPr>
+            <p:spPr>
+              <a:xfrm rot="16200000">
+                <a:off x="3585793" y="2939265"/>
+                <a:ext cx="736099" cy="769441"/>
+              </a:xfrm>
+              <a:prstGeom prst="rect">
+                <a:avLst/>
+              </a:prstGeom>
+              <a:blipFill>
+                <a:blip r:embed="rId3"/>
+                <a:stretch>
+                  <a:fillRect/>
+                </a:stretch>
+              </a:blipFill>
+            </p:spPr>
+            <p:txBody>
+              <a:bodyPr/>
+              <a:lstStyle/>
+              <a:p>
+                <a:r>
+                  <a:rPr lang="en-US">
+                    <a:noFill/>
+                  </a:rPr>
+                  <a:t> </a:t>
+                </a:r>
+              </a:p>
+            </p:txBody>
+          </p:sp>
+        </mc:Fallback>
+      </mc:AlternateContent>
+      <p:sp>
+        <p:nvSpPr>
+          <p:cNvPr id="23" name="TextBox 22"/>
+          <p:cNvSpPr txBox="1"/>
+          <p:nvPr/>
+        </p:nvSpPr>
+        <p:spPr>
+          <a:xfrm>
+            <a:off x="769276" y="2960961"/>
+            <a:ext cx="2831544" cy="830997"/>
+          </a:xfrm>
+          <a:prstGeom prst="rect">
+            <a:avLst/>
+          </a:prstGeom>
+          <a:noFill/>
+        </p:spPr>
+        <p:txBody>
+          <a:bodyPr wrap="none" rtlCol="0">
+            <a:spAutoFit/>
+          </a:bodyPr>
+          <a:lstStyle/>
+          <a:p>
+            <a:r>
+              <a:rPr lang="en-US" sz="2400" dirty="0"/>
+              <a:t>(person-children p) is</a:t>
+            </a:r>
+          </a:p>
+          <a:p>
+            <a:r>
+              <a:rPr lang="en-US" sz="2400" dirty="0"/>
+              <a:t>smaller than p</a:t>
+            </a:r>
+          </a:p>
+        </p:txBody>
+      </p:sp>
+      <p:sp>
+        <p:nvSpPr>
+          <p:cNvPr id="24" name="TextBox 23"/>
+          <p:cNvSpPr txBox="1"/>
+          <p:nvPr/>
+        </p:nvSpPr>
+        <p:spPr>
+          <a:xfrm>
+            <a:off x="3886200" y="4786604"/>
+            <a:ext cx="5033044" cy="1200329"/>
+          </a:xfrm>
+          <a:prstGeom prst="rect">
+            <a:avLst/>
+          </a:prstGeom>
+          <a:noFill/>
+        </p:spPr>
+        <p:txBody>
+          <a:bodyPr wrap="none" rtlCol="0">
+            <a:spAutoFit/>
+          </a:bodyPr>
+          <a:lstStyle/>
+          <a:p>
+            <a:r>
+              <a:rPr lang="en-US" sz="2400" dirty="0"/>
+              <a:t>map calls </a:t>
+            </a:r>
+            <a:r>
+              <a:rPr lang="en-US" sz="2400" b="1" dirty="0"/>
+              <a:t>person-descendants</a:t>
+            </a:r>
+            <a:r>
+              <a:rPr lang="en-US" sz="2400" dirty="0"/>
+              <a:t> on</a:t>
+            </a:r>
+          </a:p>
+          <a:p>
+            <a:r>
+              <a:rPr lang="en-US" sz="2400" dirty="0"/>
+              <a:t>each element of </a:t>
+            </a:r>
+            <a:r>
+              <a:rPr lang="en-US" sz="2400" b="1" dirty="0" err="1"/>
+              <a:t>ps</a:t>
+            </a:r>
+            <a:r>
+              <a:rPr lang="en-US" sz="2400" dirty="0"/>
+              <a:t>; the elements of </a:t>
+            </a:r>
+            <a:r>
+              <a:rPr lang="en-US" sz="2400" b="1" dirty="0" err="1"/>
+              <a:t>ps</a:t>
+            </a:r>
+            <a:endParaRPr lang="en-US" sz="2400" b="1" dirty="0"/>
+          </a:p>
+          <a:p>
+            <a:r>
+              <a:rPr lang="en-US" sz="2400" dirty="0"/>
+              <a:t>are always smaller than </a:t>
+            </a:r>
+            <a:r>
+              <a:rPr lang="en-US" sz="2400" b="1" dirty="0" err="1"/>
+              <a:t>ps</a:t>
+            </a:r>
+            <a:endParaRPr lang="en-US" sz="2400" b="1" dirty="0"/>
+          </a:p>
+        </p:txBody>
+      </p:sp>
+      <p:sp>
+        <p:nvSpPr>
+          <p:cNvPr id="25" name="Freeform 24"/>
+          <p:cNvSpPr/>
+          <p:nvPr/>
+        </p:nvSpPr>
+        <p:spPr>
+          <a:xfrm>
+            <a:off x="6323960" y="3165068"/>
+            <a:ext cx="1106961" cy="1591349"/>
+          </a:xfrm>
+          <a:custGeom>
+            <a:avLst/>
+            <a:gdLst>
+              <a:gd name="connsiteX0" fmla="*/ 107576 w 1106961"/>
+              <a:gd name="connsiteY0" fmla="*/ 1591349 h 1591349"/>
+              <a:gd name="connsiteX1" fmla="*/ 1106501 w 1106961"/>
+              <a:gd name="connsiteY1" fmla="*/ 146750 h 1591349"/>
+              <a:gd name="connsiteX2" fmla="*/ 0 w 1106961"/>
+              <a:gd name="connsiteY2" fmla="*/ 123698 h 1591349"/>
+            </a:gdLst>
+            <a:ahLst/>
+            <a:cxnLst>
+              <a:cxn ang="0">
+                <a:pos x="connsiteX0" y="connsiteY0"/>
+              </a:cxn>
+              <a:cxn ang="0">
+                <a:pos x="connsiteX1" y="connsiteY1"/>
+              </a:cxn>
+              <a:cxn ang="0">
+                <a:pos x="connsiteX2" y="connsiteY2"/>
+              </a:cxn>
+            </a:cxnLst>
+            <a:rect l="l" t="t" r="r" b="b"/>
+            <a:pathLst>
+              <a:path w="1106961" h="1591349">
+                <a:moveTo>
+                  <a:pt x="107576" y="1591349"/>
+                </a:moveTo>
+                <a:cubicBezTo>
+                  <a:pt x="616003" y="991353"/>
+                  <a:pt x="1124430" y="391358"/>
+                  <a:pt x="1106501" y="146750"/>
+                </a:cubicBezTo>
+                <a:cubicBezTo>
+                  <a:pt x="1088572" y="-97859"/>
+                  <a:pt x="544286" y="12919"/>
+                  <a:pt x="0" y="123698"/>
+                </a:cubicBezTo>
+              </a:path>
+            </a:pathLst>
+          </a:custGeom>
+          <a:noFill/>
+          <a:ln>
+            <a:solidFill>
+              <a:schemeClr val="tx1"/>
+            </a:solidFill>
+            <a:tailEnd type="stealth" w="lg" len="lg"/>
+          </a:ln>
+        </p:spPr>
+        <p:style>
+          <a:lnRef idx="2">
+            <a:schemeClr val="accent1"/>
+          </a:lnRef>
+          <a:fillRef idx="1">
+            <a:schemeClr val="lt1"/>
+          </a:fillRef>
+          <a:effectRef idx="0">
+            <a:schemeClr val="accent1"/>
+          </a:effectRef>
+          <a:fontRef idx="minor">
+            <a:schemeClr val="dk1"/>
+          </a:fontRef>
+        </p:style>
+        <p:txBody>
+          <a:bodyPr rtlCol="0" anchor="ctr"/>
+          <a:lstStyle/>
+          <a:p>
+            <a:pPr algn="ctr"/>
+            <a:endParaRPr lang="en-US"/>
+          </a:p>
+        </p:txBody>
+      </p:sp>
+      <p:sp>
+        <p:nvSpPr>
+          <p:cNvPr id="26" name="Rectangle 25"/>
+          <p:cNvSpPr/>
+          <p:nvPr/>
+        </p:nvSpPr>
+        <p:spPr>
+          <a:xfrm>
+            <a:off x="685800" y="4513089"/>
+            <a:ext cx="2819400" cy="2208385"/>
+          </a:xfrm>
+          <a:prstGeom prst="rect">
+            <a:avLst/>
+          </a:prstGeom>
+          <a:solidFill>
+            <a:schemeClr val="accent3">
+              <a:lumMod val="40000"/>
+              <a:lumOff val="60000"/>
+            </a:schemeClr>
+          </a:solidFill>
+          <a:ln/>
+        </p:spPr>
+        <p:style>
+          <a:lnRef idx="2">
+            <a:schemeClr val="accent1"/>
+          </a:lnRef>
+          <a:fillRef idx="1">
+            <a:schemeClr val="lt1"/>
+          </a:fillRef>
+          <a:effectRef idx="0">
+            <a:schemeClr val="accent1"/>
+          </a:effectRef>
+          <a:fontRef idx="minor">
+            <a:schemeClr val="dk1"/>
+          </a:fontRef>
+        </p:style>
+        <p:txBody>
+          <a:bodyPr rot="0" spcFirstLastPara="0" vertOverflow="overflow" horzOverflow="overflow" vert="horz" wrap="square" lIns="91440" tIns="45720" rIns="91440" bIns="45720" numCol="1" spcCol="0" rtlCol="0" fromWordArt="0" anchor="ctr" anchorCtr="0" forceAA="0" compatLnSpc="1">
+            <a:prstTxWarp prst="textNoShape">
+              <a:avLst/>
+            </a:prstTxWarp>
+            <a:noAutofit/>
+          </a:bodyPr>
+          <a:lstStyle/>
+          <a:p>
+            <a:pPr algn="ctr"/>
+            <a:r>
+              <a:rPr lang="en-US" dirty="0">
+                <a:solidFill>
+                  <a:schemeClr val="tx1"/>
+                </a:solidFill>
+              </a:rPr>
+              <a:t>All we need is for the halting measure to decrease on every cycle, so it would be ok if one of these &gt;'s was an =.  Just so long as none of the calls </a:t>
+            </a:r>
+            <a:r>
+              <a:rPr lang="en-US" i="1" dirty="0">
+                <a:solidFill>
+                  <a:schemeClr val="tx1"/>
+                </a:solidFill>
+              </a:rPr>
+              <a:t>increases</a:t>
+            </a:r>
+            <a:r>
+              <a:rPr lang="en-US" dirty="0">
+                <a:solidFill>
+                  <a:schemeClr val="tx1"/>
+                </a:solidFill>
+              </a:rPr>
+              <a:t> the halting measure!</a:t>
+            </a:r>
+          </a:p>
+        </p:txBody>
+      </p:sp>
+    </p:spTree>
+    <p:extLst>
+      <p:ext uri="{BB962C8B-B14F-4D97-AF65-F5344CB8AC3E}">
+        <p14:creationId xmlns:p14="http://schemas.microsoft.com/office/powerpoint/2010/main" val="2038685473"/>
       </p:ext>
     </p:extLst>
   </p:cSld>
@@ -8090,6 +9443,229 @@
     <p:extLst>
       <p:ext uri="{BB962C8B-B14F-4D97-AF65-F5344CB8AC3E}">
         <p14:creationId xmlns:p14="http://schemas.microsoft.com/office/powerpoint/2010/main" val="2186847188"/>
+      </p:ext>
+    </p:extLst>
+  </p:cSld>
+  <p:clrMapOvr>
+    <a:masterClrMapping/>
+  </p:clrMapOvr>
+</p:sld>
+</file>
+
+<file path=ppt/slides/slide20.xml><?xml version="1.0" encoding="utf-8"?>
+<p:sld xmlns:a="http://schemas.openxmlformats.org/drawingml/2006/main" xmlns:r="http://schemas.openxmlformats.org/officeDocument/2006/relationships" xmlns:p="http://schemas.openxmlformats.org/presentationml/2006/main">
+  <p:cSld>
+    <p:spTree>
+      <p:nvGrpSpPr>
+        <p:cNvPr id="1" name=""/>
+        <p:cNvGrpSpPr/>
+        <p:nvPr/>
+      </p:nvGrpSpPr>
+      <p:grpSpPr>
+        <a:xfrm>
+          <a:off x="0" y="0"/>
+          <a:ext cx="0" cy="0"/>
+          <a:chOff x="0" y="0"/>
+          <a:chExt cx="0" cy="0"/>
+        </a:xfrm>
+      </p:grpSpPr>
+      <p:sp>
+        <p:nvSpPr>
+          <p:cNvPr id="2" name="Title 1"/>
+          <p:cNvSpPr>
+            <a:spLocks noGrp="1"/>
+          </p:cNvSpPr>
+          <p:nvPr>
+            <p:ph type="title"/>
+          </p:nvPr>
+        </p:nvSpPr>
+        <p:spPr/>
+        <p:txBody>
+          <a:bodyPr/>
+          <a:lstStyle/>
+          <a:p>
+            <a:r>
+              <a:rPr lang="en-US" dirty="0"/>
+              <a:t>Summary</a:t>
+            </a:r>
+          </a:p>
+        </p:txBody>
+      </p:sp>
+      <p:sp>
+        <p:nvSpPr>
+          <p:cNvPr id="3" name="Content Placeholder 2"/>
+          <p:cNvSpPr>
+            <a:spLocks noGrp="1"/>
+          </p:cNvSpPr>
+          <p:nvPr>
+            <p:ph idx="1"/>
+          </p:nvPr>
+        </p:nvSpPr>
+        <p:spPr/>
+        <p:txBody>
+          <a:bodyPr>
+            <a:normAutofit/>
+          </a:bodyPr>
+          <a:lstStyle/>
+          <a:p>
+            <a:r>
+              <a:rPr lang="en-US" dirty="0"/>
+              <a:t>You should now be able to:</a:t>
+            </a:r>
+          </a:p>
+          <a:p>
+            <a:pPr lvl="1"/>
+            <a:r>
+              <a:rPr lang="en-US" dirty="0"/>
+              <a:t>Explain the definition of a halting measure for mutually-recursive functions</a:t>
+            </a:r>
+          </a:p>
+          <a:p>
+            <a:pPr lvl="1"/>
+            <a:r>
+              <a:rPr lang="en-US" dirty="0"/>
+              <a:t>Write a halting measure for functions on S-expressions and other mutually-recursive data types that use the template.</a:t>
+            </a:r>
+          </a:p>
+          <a:p>
+            <a:endParaRPr lang="en-US" dirty="0"/>
+          </a:p>
+          <a:p>
+            <a:pPr lvl="1"/>
+            <a:endParaRPr lang="en-US" dirty="0"/>
+          </a:p>
+        </p:txBody>
+      </p:sp>
+      <p:sp>
+        <p:nvSpPr>
+          <p:cNvPr id="4" name="Slide Number Placeholder 3"/>
+          <p:cNvSpPr>
+            <a:spLocks noGrp="1"/>
+          </p:cNvSpPr>
+          <p:nvPr>
+            <p:ph type="sldNum" sz="quarter" idx="12"/>
+          </p:nvPr>
+        </p:nvSpPr>
+        <p:spPr/>
+        <p:txBody>
+          <a:bodyPr/>
+          <a:lstStyle/>
+          <a:p>
+            <a:fld id="{C1D4534E-1B22-4A44-850A-B3E8E9EE687A}" type="slidenum">
+              <a:rPr lang="en-US" smtClean="0"/>
+              <a:t>20</a:t>
+            </a:fld>
+            <a:endParaRPr lang="en-US"/>
+          </a:p>
+        </p:txBody>
+      </p:sp>
+    </p:spTree>
+    <p:extLst>
+      <p:ext uri="{BB962C8B-B14F-4D97-AF65-F5344CB8AC3E}">
+        <p14:creationId xmlns:p14="http://schemas.microsoft.com/office/powerpoint/2010/main" val="2281643218"/>
+      </p:ext>
+    </p:extLst>
+  </p:cSld>
+  <p:clrMapOvr>
+    <a:masterClrMapping/>
+  </p:clrMapOvr>
+</p:sld>
+</file>
+
+<file path=ppt/slides/slide21.xml><?xml version="1.0" encoding="utf-8"?>
+<p:sld xmlns:a="http://schemas.openxmlformats.org/drawingml/2006/main" xmlns:r="http://schemas.openxmlformats.org/officeDocument/2006/relationships" xmlns:p="http://schemas.openxmlformats.org/presentationml/2006/main">
+  <p:cSld>
+    <p:spTree>
+      <p:nvGrpSpPr>
+        <p:cNvPr id="1" name=""/>
+        <p:cNvGrpSpPr/>
+        <p:nvPr/>
+      </p:nvGrpSpPr>
+      <p:grpSpPr>
+        <a:xfrm>
+          <a:off x="0" y="0"/>
+          <a:ext cx="0" cy="0"/>
+          <a:chOff x="0" y="0"/>
+          <a:chExt cx="0" cy="0"/>
+        </a:xfrm>
+      </p:grpSpPr>
+      <p:sp>
+        <p:nvSpPr>
+          <p:cNvPr id="2" name="Title 1"/>
+          <p:cNvSpPr>
+            <a:spLocks noGrp="1"/>
+          </p:cNvSpPr>
+          <p:nvPr>
+            <p:ph type="title"/>
+          </p:nvPr>
+        </p:nvSpPr>
+        <p:spPr/>
+        <p:txBody>
+          <a:bodyPr/>
+          <a:lstStyle/>
+          <a:p>
+            <a:r>
+              <a:rPr lang="en-US" dirty="0"/>
+              <a:t>Next Steps</a:t>
+            </a:r>
+          </a:p>
+        </p:txBody>
+      </p:sp>
+      <p:sp>
+        <p:nvSpPr>
+          <p:cNvPr id="3" name="Content Placeholder 2"/>
+          <p:cNvSpPr>
+            <a:spLocks noGrp="1"/>
+          </p:cNvSpPr>
+          <p:nvPr>
+            <p:ph idx="1"/>
+          </p:nvPr>
+        </p:nvSpPr>
+        <p:spPr/>
+        <p:txBody>
+          <a:bodyPr/>
+          <a:lstStyle/>
+          <a:p>
+            <a:r>
+              <a:rPr lang="en-US" dirty="0"/>
+              <a:t>If you have questions about this lesson, ask them in class or on the Discussion Board</a:t>
+            </a:r>
+          </a:p>
+          <a:p>
+            <a:r>
+              <a:rPr lang="en-US" dirty="0"/>
+              <a:t>Do Problem Set 6</a:t>
+            </a:r>
+          </a:p>
+        </p:txBody>
+      </p:sp>
+      <p:sp>
+        <p:nvSpPr>
+          <p:cNvPr id="4" name="Slide Number Placeholder 3"/>
+          <p:cNvSpPr>
+            <a:spLocks noGrp="1"/>
+          </p:cNvSpPr>
+          <p:nvPr>
+            <p:ph type="sldNum" sz="quarter" idx="12"/>
+          </p:nvPr>
+        </p:nvSpPr>
+        <p:spPr/>
+        <p:txBody>
+          <a:bodyPr/>
+          <a:lstStyle/>
+          <a:p>
+            <a:fld id="{C1D4534E-1B22-4A44-850A-B3E8E9EE687A}" type="slidenum">
+              <a:rPr lang="en-US" smtClean="0"/>
+              <a:t>21</a:t>
+            </a:fld>
+            <a:endParaRPr lang="en-US"/>
+          </a:p>
+        </p:txBody>
+      </p:sp>
+    </p:spTree>
+    <p:extLst>
+      <p:ext uri="{BB962C8B-B14F-4D97-AF65-F5344CB8AC3E}">
+        <p14:creationId xmlns:p14="http://schemas.microsoft.com/office/powerpoint/2010/main" val="3025411515"/>
       </p:ext>
     </p:extLst>
   </p:cSld>
@@ -9016,8 +10592,8 @@
           </a:fontRef>
         </p:style>
       </p:cxnSp>
-      <mc:AlternateContent xmlns:mc="http://schemas.openxmlformats.org/markup-compatibility/2006">
-        <mc:Choice xmlns:a14="http://schemas.microsoft.com/office/drawing/2010/main" Requires="a14">
+      <mc:AlternateContent xmlns:mc="http://schemas.openxmlformats.org/markup-compatibility/2006" xmlns:a14="http://schemas.microsoft.com/office/drawing/2010/main">
+        <mc:Choice Requires="a14">
           <p:sp>
             <p:nvSpPr>
               <p:cNvPr id="18" name="TextBox 17"/>
@@ -9040,6 +10616,7 @@
               </a:bodyPr>
               <a:lstStyle/>
               <a:p>
+                <a:pPr/>
                 <a14:m>
                   <m:oMathPara xmlns:m="http://schemas.openxmlformats.org/officeDocument/2006/math">
                     <m:oMathParaPr>
@@ -9060,7 +10637,7 @@
             </p:txBody>
           </p:sp>
         </mc:Choice>
-        <mc:Fallback>
+        <mc:Fallback xmlns="">
           <p:sp>
             <p:nvSpPr>
               <p:cNvPr id="18" name="TextBox 17"/>

--- a/Slides/Lesson 6.6 Halting Functions for Tree-Like Structures.pptx
+++ b/Slides/Lesson 6.6 Halting Functions for Tree-Like Structures.pptx
@@ -231,7 +231,7 @@
           <a:p>
             <a:fld id="{1AC50D25-69DA-4251-A3B1-10895C6A89D6}" type="datetimeFigureOut">
               <a:rPr lang="en-US" smtClean="0"/>
-              <a:t>9/12/2016</a:t>
+              <a:t>9/26/2016</a:t>
             </a:fld>
             <a:endParaRPr lang="en-US"/>
           </a:p>
@@ -1024,7 +1024,7 @@
           <a:p>
             <a:fld id="{2F1F79F5-7BEC-496A-AFC7-876E38F64D71}" type="datetime1">
               <a:rPr lang="en-US" smtClean="0"/>
-              <a:t>9/12/2016</a:t>
+              <a:t>9/26/2016</a:t>
             </a:fld>
             <a:endParaRPr lang="en-US"/>
           </a:p>
@@ -1119,7 +1119,7 @@
           <a:p>
             <a:fld id="{0A05703A-7669-4FEA-9056-25299B4D29D4}" type="datetime1">
               <a:rPr lang="en-US" smtClean="0"/>
-              <a:t>9/12/2016</a:t>
+              <a:t>9/26/2016</a:t>
             </a:fld>
             <a:endParaRPr lang="en-US"/>
           </a:p>
@@ -1394,7 +1394,7 @@
           <a:p>
             <a:fld id="{6E5077B5-BB57-49DB-88CA-226A139E5C01}" type="datetime1">
               <a:rPr lang="en-US" smtClean="0"/>
-              <a:t>9/12/2016</a:t>
+              <a:t>9/26/2016</a:t>
             </a:fld>
             <a:endParaRPr lang="en-US"/>
           </a:p>
@@ -1646,7 +1646,7 @@
           <a:p>
             <a:fld id="{C48D9447-CBD6-49A1-89FD-8512A8CF8999}" type="datetime1">
               <a:rPr lang="en-US" smtClean="0"/>
-              <a:t>9/12/2016</a:t>
+              <a:t>9/26/2016</a:t>
             </a:fld>
             <a:endParaRPr lang="en-US"/>
           </a:p>
@@ -1814,7 +1814,7 @@
           <a:p>
             <a:fld id="{A3639A2A-823D-48B7-9ACE-7FAF42870BA9}" type="datetime1">
               <a:rPr lang="en-US" smtClean="0"/>
-              <a:t>9/12/2016</a:t>
+              <a:t>9/26/2016</a:t>
             </a:fld>
             <a:endParaRPr lang="en-US"/>
           </a:p>
@@ -1992,7 +1992,7 @@
           <a:p>
             <a:fld id="{ED1B6996-82E9-463C-972C-7B56056E426C}" type="datetime1">
               <a:rPr lang="en-US" smtClean="0"/>
-              <a:t>9/12/2016</a:t>
+              <a:t>9/26/2016</a:t>
             </a:fld>
             <a:endParaRPr lang="en-US"/>
           </a:p>
@@ -2166,7 +2166,7 @@
           <a:p>
             <a:fld id="{E22ED4DA-448D-4BB1-B935-CC112220207B}" type="datetime1">
               <a:rPr lang="en-US" smtClean="0"/>
-              <a:t>9/12/2016</a:t>
+              <a:t>9/26/2016</a:t>
             </a:fld>
             <a:endParaRPr lang="en-US"/>
           </a:p>
@@ -2339,7 +2339,7 @@
           <a:p>
             <a:fld id="{E22ED4DA-448D-4BB1-B935-CC112220207B}" type="datetime1">
               <a:rPr lang="en-US" smtClean="0"/>
-              <a:t>9/12/2016</a:t>
+              <a:t>9/26/2016</a:t>
             </a:fld>
             <a:endParaRPr lang="en-US"/>
           </a:p>
@@ -2599,7 +2599,7 @@
           <a:p>
             <a:fld id="{FF5D65A6-AB94-4435-B0B7-3743215FA46C}" type="datetime1">
               <a:rPr lang="en-US" smtClean="0"/>
-              <a:t>9/12/2016</a:t>
+              <a:t>9/26/2016</a:t>
             </a:fld>
             <a:endParaRPr lang="en-US"/>
           </a:p>
@@ -2775,7 +2775,7 @@
           <a:p>
             <a:fld id="{FF5D65A6-AB94-4435-B0B7-3743215FA46C}" type="datetime1">
               <a:rPr lang="en-US" smtClean="0"/>
-              <a:t>9/12/2016</a:t>
+              <a:t>9/26/2016</a:t>
             </a:fld>
             <a:endParaRPr lang="en-US"/>
           </a:p>
@@ -3069,7 +3069,7 @@
           <a:p>
             <a:fld id="{7C193DC4-6EF0-48C9-B29C-616106A645E1}" type="datetime1">
               <a:rPr lang="en-US" smtClean="0"/>
-              <a:t>9/12/2016</a:t>
+              <a:t>9/26/2016</a:t>
             </a:fld>
             <a:endParaRPr lang="en-US"/>
           </a:p>
@@ -3354,7 +3354,7 @@
           <a:p>
             <a:fld id="{5D1846AD-9252-4647-9435-4C2AC365653A}" type="datetime1">
               <a:rPr lang="en-US" smtClean="0"/>
-              <a:t>9/12/2016</a:t>
+              <a:t>9/26/2016</a:t>
             </a:fld>
             <a:endParaRPr lang="en-US"/>
           </a:p>
@@ -3773,7 +3773,7 @@
           <a:p>
             <a:fld id="{CE56DC10-3561-4063-A6AF-C1CC7A41040A}" type="datetime1">
               <a:rPr lang="en-US" smtClean="0"/>
-              <a:t>9/12/2016</a:t>
+              <a:t>9/26/2016</a:t>
             </a:fld>
             <a:endParaRPr lang="en-US"/>
           </a:p>
@@ -3890,7 +3890,7 @@
           <a:p>
             <a:fld id="{2F7B77F5-1464-4F6B-92A8-64FC8A508293}" type="datetime1">
               <a:rPr lang="en-US" smtClean="0"/>
-              <a:t>9/12/2016</a:t>
+              <a:t>9/26/2016</a:t>
             </a:fld>
             <a:endParaRPr lang="en-US"/>
           </a:p>
@@ -4113,7 +4113,7 @@
           <a:p>
             <a:fld id="{02B3F677-983B-48DB-ADFD-63FE6CBC7FB2}" type="datetime1">
               <a:rPr lang="en-US" smtClean="0"/>
-              <a:t>9/12/2016</a:t>
+              <a:t>9/26/2016</a:t>
             </a:fld>
             <a:endParaRPr lang="en-US"/>
           </a:p>
@@ -6099,8 +6099,8 @@
           </a:p>
         </p:txBody>
       </p:sp>
-      <mc:AlternateContent xmlns:mc="http://schemas.openxmlformats.org/markup-compatibility/2006">
-        <mc:Choice xmlns:a14="http://schemas.microsoft.com/office/drawing/2010/main" Requires="a14">
+      <mc:AlternateContent xmlns:mc="http://schemas.openxmlformats.org/markup-compatibility/2006" xmlns:a14="http://schemas.microsoft.com/office/drawing/2010/main">
+        <mc:Choice Requires="a14">
           <p:sp>
             <p:nvSpPr>
               <p:cNvPr id="7" name="Rectangle 6"/>
@@ -6180,7 +6180,7 @@
             </p:txBody>
           </p:sp>
         </mc:Choice>
-        <mc:Fallback>
+        <mc:Fallback xmlns="">
           <p:sp>
             <p:nvSpPr>
               <p:cNvPr id="7" name="Rectangle 6"/>
@@ -6503,8 +6503,8 @@
             </a:p>
           </p:txBody>
         </p:sp>
-        <mc:AlternateContent xmlns:mc="http://schemas.openxmlformats.org/markup-compatibility/2006">
-          <mc:Choice xmlns:a14="http://schemas.microsoft.com/office/drawing/2010/main" Requires="a14">
+        <mc:AlternateContent xmlns:mc="http://schemas.openxmlformats.org/markup-compatibility/2006" xmlns:a14="http://schemas.microsoft.com/office/drawing/2010/main">
+          <mc:Choice Requires="a14">
             <p:sp>
               <p:nvSpPr>
                 <p:cNvPr id="3" name="TextBox 2"/>
@@ -6548,7 +6548,7 @@
               </p:txBody>
             </p:sp>
           </mc:Choice>
-          <mc:Fallback>
+          <mc:Fallback xmlns="">
             <p:sp>
               <p:nvSpPr>
                 <p:cNvPr id="3" name="TextBox 2"/>
@@ -6587,8 +6587,8 @@
             </p:sp>
           </mc:Fallback>
         </mc:AlternateContent>
-        <mc:AlternateContent xmlns:mc="http://schemas.openxmlformats.org/markup-compatibility/2006">
-          <mc:Choice xmlns:a14="http://schemas.microsoft.com/office/drawing/2010/main" Requires="a14">
+        <mc:AlternateContent xmlns:mc="http://schemas.openxmlformats.org/markup-compatibility/2006" xmlns:a14="http://schemas.microsoft.com/office/drawing/2010/main">
+          <mc:Choice Requires="a14">
             <p:sp>
               <p:nvSpPr>
                 <p:cNvPr id="17" name="TextBox 16"/>
@@ -6632,7 +6632,7 @@
               </p:txBody>
             </p:sp>
           </mc:Choice>
-          <mc:Fallback>
+          <mc:Fallback xmlns="">
             <p:sp>
               <p:nvSpPr>
                 <p:cNvPr id="17" name="TextBox 16"/>
@@ -6671,8 +6671,8 @@
             </p:sp>
           </mc:Fallback>
         </mc:AlternateContent>
-        <mc:AlternateContent xmlns:mc="http://schemas.openxmlformats.org/markup-compatibility/2006">
-          <mc:Choice xmlns:a14="http://schemas.microsoft.com/office/drawing/2010/main" Requires="a14">
+        <mc:AlternateContent xmlns:mc="http://schemas.openxmlformats.org/markup-compatibility/2006" xmlns:a14="http://schemas.microsoft.com/office/drawing/2010/main">
+          <mc:Choice Requires="a14">
             <p:sp>
               <p:nvSpPr>
                 <p:cNvPr id="15" name="TextBox 14"/>
@@ -6716,7 +6716,7 @@
               </p:txBody>
             </p:sp>
           </mc:Choice>
-          <mc:Fallback>
+          <mc:Fallback xmlns="">
             <p:sp>
               <p:nvSpPr>
                 <p:cNvPr id="15" name="TextBox 14"/>
@@ -8900,8 +8900,8 @@
           </p:txBody>
         </p:sp>
       </p:grpSp>
-      <mc:AlternateContent xmlns:mc="http://schemas.openxmlformats.org/markup-compatibility/2006">
-        <mc:Choice xmlns:a14="http://schemas.microsoft.com/office/drawing/2010/main" Requires="a14">
+      <mc:AlternateContent xmlns:mc="http://schemas.openxmlformats.org/markup-compatibility/2006" xmlns:a14="http://schemas.microsoft.com/office/drawing/2010/main">
+        <mc:Choice Requires="a14">
           <p:sp>
             <p:nvSpPr>
               <p:cNvPr id="20" name="TextBox 19"/>
@@ -8945,7 +8945,7 @@
             </p:txBody>
           </p:sp>
         </mc:Choice>
-        <mc:Fallback>
+        <mc:Fallback xmlns="">
           <p:sp>
             <p:nvSpPr>
               <p:cNvPr id="20" name="TextBox 19"/>
@@ -8984,8 +8984,8 @@
           </p:sp>
         </mc:Fallback>
       </mc:AlternateContent>
-      <mc:AlternateContent xmlns:mc="http://schemas.openxmlformats.org/markup-compatibility/2006">
-        <mc:Choice xmlns:a14="http://schemas.microsoft.com/office/drawing/2010/main" Requires="a14">
+      <mc:AlternateContent xmlns:mc="http://schemas.openxmlformats.org/markup-compatibility/2006" xmlns:a14="http://schemas.microsoft.com/office/drawing/2010/main">
+        <mc:Choice Requires="a14">
           <p:sp>
             <p:nvSpPr>
               <p:cNvPr id="21" name="TextBox 20"/>
@@ -9029,7 +9029,7 @@
             </p:txBody>
           </p:sp>
         </mc:Choice>
-        <mc:Fallback>
+        <mc:Fallback xmlns="">
           <p:sp>
             <p:nvSpPr>
               <p:cNvPr id="21" name="TextBox 20"/>
@@ -9633,9 +9633,16 @@
           </a:p>
           <a:p>
             <a:r>
-              <a:rPr lang="en-US" dirty="0"/>
-              <a:t>Do Problem Set 6</a:t>
-            </a:r>
+              <a:rPr lang="en-US"/>
+              <a:t>Go on to the next lesson</a:t>
+            </a:r>
+            <a:endParaRPr lang="en-US" dirty="0"/>
+          </a:p>
+          <a:p>
+            <a:pPr marL="0" indent="0">
+              <a:buNone/>
+            </a:pPr>
+            <a:endParaRPr lang="en-US" dirty="0"/>
           </a:p>
         </p:txBody>
       </p:sp>
